--- a/VIP_detection.pptx
+++ b/VIP_detection.pptx
@@ -5,23 +5,24 @@
     <p:sldMasterId id="2147483672" r:id="rId3"/>
   </p:sldMasterIdLst>
   <p:notesMasterIdLst>
-    <p:notesMasterId r:id="rId10"/>
+    <p:notesMasterId r:id="rId11"/>
   </p:notesMasterIdLst>
   <p:handoutMasterIdLst>
-    <p:handoutMasterId r:id="rId11"/>
+    <p:handoutMasterId r:id="rId12"/>
   </p:handoutMasterIdLst>
   <p:sldIdLst>
     <p:sldId id="905" r:id="rId4"/>
     <p:sldId id="908" r:id="rId5"/>
     <p:sldId id="918" r:id="rId6"/>
     <p:sldId id="921" r:id="rId7"/>
-    <p:sldId id="919" r:id="rId8"/>
-    <p:sldId id="920" r:id="rId9"/>
+    <p:sldId id="922" r:id="rId8"/>
+    <p:sldId id="919" r:id="rId9"/>
+    <p:sldId id="920" r:id="rId10"/>
   </p:sldIdLst>
   <p:sldSz cx="9144000" cy="5143500" type="screen16x9"/>
   <p:notesSz cx="6797675" cy="9928225"/>
   <p:custDataLst>
-    <p:tags r:id="rId12"/>
+    <p:tags r:id="rId13"/>
   </p:custDataLst>
   <p:defaultTextStyle>
     <a:defPPr>
@@ -127,6 +128,7 @@
             <p14:sldId id="908"/>
             <p14:sldId id="918"/>
             <p14:sldId id="921"/>
+            <p14:sldId id="922"/>
             <p14:sldId id="919"/>
             <p14:sldId id="920"/>
           </p14:sldIdLst>
@@ -134,7 +136,7 @@
       </p14:sectionLst>
     </p:ext>
     <p:ext uri="{EFAFB233-063F-42B5-8137-9DF3F51BA10A}">
-      <p15:sldGuideLst xmlns:p15="http://schemas.microsoft.com/office/powerpoint/2012/main">
+      <p15:sldGuideLst xmlns:p15="http://schemas.microsoft.com/office/powerpoint/2012/main" xmlns="">
         <p15:guide id="1" orient="horz" pos="391">
           <p15:clr>
             <a:srgbClr val="A4A3A4"/>
@@ -249,7 +251,7 @@
           <a:p>
             <a:fld id="{2430790A-2ABA-4352-B777-2D8018150A03}" type="datetimeFigureOut">
               <a:rPr lang="en-US" smtClean="0"/>
-              <a:t>9/28/2018</a:t>
+              <a:t>10/8/2018</a:t>
             </a:fld>
             <a:endParaRPr lang="en-US"/>
           </a:p>
@@ -415,7 +417,7 @@
             <a:fld id="{FF129908-4FB9-40F7-AD36-55A5C10FDB5E}" type="datetimeFigureOut">
               <a:rPr lang="en-US" smtClean="0"/>
               <a:pPr/>
-              <a:t>9/28/2018</a:t>
+              <a:t>10/8/2018</a:t>
             </a:fld>
             <a:endParaRPr lang="en-US"/>
           </a:p>
@@ -1157,7 +1159,7 @@
             <a:fld id="{67E0CF02-508F-4E5A-989D-424FC5F64D38}" type="slidenum">
               <a:rPr lang="en-US" smtClean="0"/>
               <a:pPr/>
-              <a:t>5</a:t>
+              <a:t>4</a:t>
             </a:fld>
             <a:endParaRPr lang="en-US"/>
           </a:p>
@@ -1166,7 +1168,7 @@
     </p:spTree>
     <p:extLst>
       <p:ext uri="{BB962C8B-B14F-4D97-AF65-F5344CB8AC3E}">
-        <p14:creationId xmlns:p14="http://schemas.microsoft.com/office/powerpoint/2010/main" val="1119041971"/>
+        <p14:creationId xmlns:p14="http://schemas.microsoft.com/office/powerpoint/2010/main" val="920389436"/>
       </p:ext>
     </p:extLst>
   </p:cSld>
@@ -1280,7 +1282,253 @@
             <a:fld id="{67E0CF02-508F-4E5A-989D-424FC5F64D38}" type="slidenum">
               <a:rPr lang="en-US" smtClean="0"/>
               <a:pPr/>
+              <a:t>5</a:t>
+            </a:fld>
+            <a:endParaRPr lang="en-US"/>
+          </a:p>
+        </p:txBody>
+      </p:sp>
+    </p:spTree>
+    <p:extLst>
+      <p:ext uri="{BB962C8B-B14F-4D97-AF65-F5344CB8AC3E}">
+        <p14:creationId xmlns:p14="http://schemas.microsoft.com/office/powerpoint/2010/main" val="3354802072"/>
+      </p:ext>
+    </p:extLst>
+  </p:cSld>
+  <p:clrMapOvr>
+    <a:masterClrMapping/>
+  </p:clrMapOvr>
+</p:notes>
+</file>
+
+<file path=ppt/notesSlides/notesSlide6.xml><?xml version="1.0" encoding="utf-8"?>
+<p:notes xmlns:a="http://schemas.openxmlformats.org/drawingml/2006/main" xmlns:r="http://schemas.openxmlformats.org/officeDocument/2006/relationships" xmlns:p="http://schemas.openxmlformats.org/presentationml/2006/main">
+  <p:cSld>
+    <p:spTree>
+      <p:nvGrpSpPr>
+        <p:cNvPr id="1" name=""/>
+        <p:cNvGrpSpPr/>
+        <p:nvPr/>
+      </p:nvGrpSpPr>
+      <p:grpSpPr>
+        <a:xfrm>
+          <a:off x="0" y="0"/>
+          <a:ext cx="0" cy="0"/>
+          <a:chOff x="0" y="0"/>
+          <a:chExt cx="0" cy="0"/>
+        </a:xfrm>
+      </p:grpSpPr>
+      <p:sp>
+        <p:nvSpPr>
+          <p:cNvPr id="2" name="Образ слайда 1"/>
+          <p:cNvSpPr>
+            <a:spLocks noGrp="1" noRot="1" noChangeAspect="1"/>
+          </p:cNvSpPr>
+          <p:nvPr>
+            <p:ph type="sldImg"/>
+          </p:nvPr>
+        </p:nvSpPr>
+        <p:spPr/>
+      </p:sp>
+      <p:sp>
+        <p:nvSpPr>
+          <p:cNvPr id="3" name="Заметки 2"/>
+          <p:cNvSpPr>
+            <a:spLocks noGrp="1"/>
+          </p:cNvSpPr>
+          <p:nvPr>
+            <p:ph type="body" idx="1"/>
+          </p:nvPr>
+        </p:nvSpPr>
+        <p:spPr/>
+        <p:txBody>
+          <a:bodyPr/>
+          <a:lstStyle/>
+          <a:p>
+            <a:endParaRPr lang="ru-RU"/>
+          </a:p>
+        </p:txBody>
+      </p:sp>
+      <p:sp>
+        <p:nvSpPr>
+          <p:cNvPr id="4" name="Верхний колонтитул 3"/>
+          <p:cNvSpPr>
+            <a:spLocks noGrp="1"/>
+          </p:cNvSpPr>
+          <p:nvPr>
+            <p:ph type="hdr" sz="quarter" idx="10"/>
+          </p:nvPr>
+        </p:nvSpPr>
+        <p:spPr/>
+        <p:txBody>
+          <a:bodyPr/>
+          <a:lstStyle/>
+          <a:p>
+            <a:endParaRPr lang="en-US"/>
+          </a:p>
+        </p:txBody>
+      </p:sp>
+      <p:sp>
+        <p:nvSpPr>
+          <p:cNvPr id="5" name="Нижний колонтитул 4"/>
+          <p:cNvSpPr>
+            <a:spLocks noGrp="1"/>
+          </p:cNvSpPr>
+          <p:nvPr>
+            <p:ph type="ftr" sz="quarter" idx="11"/>
+          </p:nvPr>
+        </p:nvSpPr>
+        <p:spPr/>
+        <p:txBody>
+          <a:bodyPr/>
+          <a:lstStyle/>
+          <a:p>
+            <a:endParaRPr lang="en-US"/>
+          </a:p>
+        </p:txBody>
+      </p:sp>
+      <p:sp>
+        <p:nvSpPr>
+          <p:cNvPr id="6" name="Номер слайда 5"/>
+          <p:cNvSpPr>
+            <a:spLocks noGrp="1"/>
+          </p:cNvSpPr>
+          <p:nvPr>
+            <p:ph type="sldNum" sz="quarter" idx="12"/>
+          </p:nvPr>
+        </p:nvSpPr>
+        <p:spPr/>
+        <p:txBody>
+          <a:bodyPr/>
+          <a:lstStyle/>
+          <a:p>
+            <a:fld id="{67E0CF02-508F-4E5A-989D-424FC5F64D38}" type="slidenum">
+              <a:rPr lang="en-US" smtClean="0"/>
+              <a:pPr/>
               <a:t>6</a:t>
+            </a:fld>
+            <a:endParaRPr lang="en-US"/>
+          </a:p>
+        </p:txBody>
+      </p:sp>
+    </p:spTree>
+    <p:extLst>
+      <p:ext uri="{BB962C8B-B14F-4D97-AF65-F5344CB8AC3E}">
+        <p14:creationId xmlns:p14="http://schemas.microsoft.com/office/powerpoint/2010/main" val="1119041971"/>
+      </p:ext>
+    </p:extLst>
+  </p:cSld>
+  <p:clrMapOvr>
+    <a:masterClrMapping/>
+  </p:clrMapOvr>
+</p:notes>
+</file>
+
+<file path=ppt/notesSlides/notesSlide7.xml><?xml version="1.0" encoding="utf-8"?>
+<p:notes xmlns:a="http://schemas.openxmlformats.org/drawingml/2006/main" xmlns:r="http://schemas.openxmlformats.org/officeDocument/2006/relationships" xmlns:p="http://schemas.openxmlformats.org/presentationml/2006/main">
+  <p:cSld>
+    <p:spTree>
+      <p:nvGrpSpPr>
+        <p:cNvPr id="1" name=""/>
+        <p:cNvGrpSpPr/>
+        <p:nvPr/>
+      </p:nvGrpSpPr>
+      <p:grpSpPr>
+        <a:xfrm>
+          <a:off x="0" y="0"/>
+          <a:ext cx="0" cy="0"/>
+          <a:chOff x="0" y="0"/>
+          <a:chExt cx="0" cy="0"/>
+        </a:xfrm>
+      </p:grpSpPr>
+      <p:sp>
+        <p:nvSpPr>
+          <p:cNvPr id="2" name="Образ слайда 1"/>
+          <p:cNvSpPr>
+            <a:spLocks noGrp="1" noRot="1" noChangeAspect="1"/>
+          </p:cNvSpPr>
+          <p:nvPr>
+            <p:ph type="sldImg"/>
+          </p:nvPr>
+        </p:nvSpPr>
+        <p:spPr/>
+      </p:sp>
+      <p:sp>
+        <p:nvSpPr>
+          <p:cNvPr id="3" name="Заметки 2"/>
+          <p:cNvSpPr>
+            <a:spLocks noGrp="1"/>
+          </p:cNvSpPr>
+          <p:nvPr>
+            <p:ph type="body" idx="1"/>
+          </p:nvPr>
+        </p:nvSpPr>
+        <p:spPr/>
+        <p:txBody>
+          <a:bodyPr/>
+          <a:lstStyle/>
+          <a:p>
+            <a:endParaRPr lang="ru-RU"/>
+          </a:p>
+        </p:txBody>
+      </p:sp>
+      <p:sp>
+        <p:nvSpPr>
+          <p:cNvPr id="4" name="Верхний колонтитул 3"/>
+          <p:cNvSpPr>
+            <a:spLocks noGrp="1"/>
+          </p:cNvSpPr>
+          <p:nvPr>
+            <p:ph type="hdr" sz="quarter" idx="10"/>
+          </p:nvPr>
+        </p:nvSpPr>
+        <p:spPr/>
+        <p:txBody>
+          <a:bodyPr/>
+          <a:lstStyle/>
+          <a:p>
+            <a:endParaRPr lang="en-US"/>
+          </a:p>
+        </p:txBody>
+      </p:sp>
+      <p:sp>
+        <p:nvSpPr>
+          <p:cNvPr id="5" name="Нижний колонтитул 4"/>
+          <p:cNvSpPr>
+            <a:spLocks noGrp="1"/>
+          </p:cNvSpPr>
+          <p:nvPr>
+            <p:ph type="ftr" sz="quarter" idx="11"/>
+          </p:nvPr>
+        </p:nvSpPr>
+        <p:spPr/>
+        <p:txBody>
+          <a:bodyPr/>
+          <a:lstStyle/>
+          <a:p>
+            <a:endParaRPr lang="en-US"/>
+          </a:p>
+        </p:txBody>
+      </p:sp>
+      <p:sp>
+        <p:nvSpPr>
+          <p:cNvPr id="6" name="Номер слайда 5"/>
+          <p:cNvSpPr>
+            <a:spLocks noGrp="1"/>
+          </p:cNvSpPr>
+          <p:nvPr>
+            <p:ph type="sldNum" sz="quarter" idx="12"/>
+          </p:nvPr>
+        </p:nvSpPr>
+        <p:spPr/>
+        <p:txBody>
+          <a:bodyPr/>
+          <a:lstStyle/>
+          <a:p>
+            <a:fld id="{67E0CF02-508F-4E5A-989D-424FC5F64D38}" type="slidenum">
+              <a:rPr lang="en-US" smtClean="0"/>
+              <a:pPr/>
+              <a:t>7</a:t>
             </a:fld>
             <a:endParaRPr lang="en-US"/>
           </a:p>
@@ -2452,7 +2700,7 @@
           <a:graphicData uri="http://schemas.openxmlformats.org/presentationml/2006/ole">
             <mc:AlternateContent xmlns:mc="http://schemas.openxmlformats.org/markup-compatibility/2006">
               <mc:Choice xmlns:v="urn:schemas-microsoft-com:vml" Requires="v">
-                <p:oleObj spid="_x0000_s599897" name="think-cell Slide" r:id="rId4" imgW="360" imgH="360" progId="TCLayout.ActiveDocument.1">
+                <p:oleObj spid="_x0000_s599902" name="think-cell Slide" r:id="rId4" imgW="360" imgH="360" progId="TCLayout.ActiveDocument.1">
                   <p:embed/>
                 </p:oleObj>
               </mc:Choice>
@@ -4102,7 +4350,7 @@
           <a:graphicData uri="http://schemas.openxmlformats.org/presentationml/2006/ole">
             <mc:AlternateContent xmlns:mc="http://schemas.openxmlformats.org/markup-compatibility/2006">
               <mc:Choice xmlns:v="urn:schemas-microsoft-com:vml" Requires="v">
-                <p:oleObj spid="_x0000_s600298" name="think-cell Slide" r:id="rId9" imgW="270" imgH="270" progId="TCLayout.ActiveDocument.1">
+                <p:oleObj spid="_x0000_s600303" name="think-cell Slide" r:id="rId9" imgW="270" imgH="270" progId="TCLayout.ActiveDocument.1">
                   <p:embed/>
                 </p:oleObj>
               </mc:Choice>
@@ -5084,11 +5332,7 @@
             </a:pPr>
             <a:r>
               <a:rPr lang="ru-RU" sz="1200" dirty="0" smtClean="0"/>
-              <a:t>Транзакции </a:t>
-            </a:r>
-            <a:r>
-              <a:rPr lang="ru-RU" sz="1200" dirty="0" smtClean="0"/>
-              <a:t>агрегированы до уровня клиента (</a:t>
+              <a:t>Транзакции агрегированы до уровня клиента (</a:t>
             </a:r>
             <a:r>
               <a:rPr lang="en-US" sz="1200" dirty="0" err="1" smtClean="0"/>
@@ -5113,11 +5357,7 @@
             </a:pPr>
             <a:r>
               <a:rPr lang="ru-RU" sz="1200" dirty="0" smtClean="0"/>
-              <a:t>Отобраны клиенты имеющие годовой объем транзакций превышающий 80000 р. с количеством транзакций более </a:t>
-            </a:r>
-            <a:r>
-              <a:rPr lang="ru-RU" sz="1200" dirty="0" smtClean="0"/>
-              <a:t>48.</a:t>
+              <a:t>Отобраны клиенты имеющие годовой объем транзакций превышающий 80000 р. с количеством транзакций более 48.</a:t>
             </a:r>
           </a:p>
           <a:p>
@@ -5133,7 +5373,6 @@
               <a:rPr lang="ru-RU" sz="1200" dirty="0" smtClean="0"/>
               <a:t>%.</a:t>
             </a:r>
-            <a:endParaRPr lang="ru-RU" sz="1200" dirty="0" smtClean="0"/>
           </a:p>
           <a:p>
             <a:pPr marL="228600" indent="-228600">
@@ -5189,35 +5428,35 @@
                 <a:gridCol w="183515">
                   <a:extLst>
                     <a:ext uri="{9D8B030D-6E8A-4147-A177-3AD203B41FA5}">
-                      <a16:colId xmlns:a16="http://schemas.microsoft.com/office/drawing/2014/main" val="20000"/>
+                      <a16:colId xmlns:a16="http://schemas.microsoft.com/office/drawing/2014/main" xmlns="" val="20000"/>
                     </a:ext>
                   </a:extLst>
                 </a:gridCol>
                 <a:gridCol w="576080">
                   <a:extLst>
                     <a:ext uri="{9D8B030D-6E8A-4147-A177-3AD203B41FA5}">
-                      <a16:colId xmlns:a16="http://schemas.microsoft.com/office/drawing/2014/main" val="20001"/>
+                      <a16:colId xmlns:a16="http://schemas.microsoft.com/office/drawing/2014/main" xmlns="" val="20001"/>
                     </a:ext>
                   </a:extLst>
                 </a:gridCol>
                 <a:gridCol w="4641155">
                   <a:extLst>
                     <a:ext uri="{9D8B030D-6E8A-4147-A177-3AD203B41FA5}">
-                      <a16:colId xmlns:a16="http://schemas.microsoft.com/office/drawing/2014/main" val="20002"/>
+                      <a16:colId xmlns:a16="http://schemas.microsoft.com/office/drawing/2014/main" xmlns="" val="20002"/>
                     </a:ext>
                   </a:extLst>
                 </a:gridCol>
                 <a:gridCol w="1224170">
                   <a:extLst>
                     <a:ext uri="{9D8B030D-6E8A-4147-A177-3AD203B41FA5}">
-                      <a16:colId xmlns:a16="http://schemas.microsoft.com/office/drawing/2014/main" val="20003"/>
+                      <a16:colId xmlns:a16="http://schemas.microsoft.com/office/drawing/2014/main" xmlns="" val="20003"/>
                     </a:ext>
                   </a:extLst>
                 </a:gridCol>
                 <a:gridCol w="1080150">
                   <a:extLst>
                     <a:ext uri="{9D8B030D-6E8A-4147-A177-3AD203B41FA5}">
-                      <a16:colId xmlns:a16="http://schemas.microsoft.com/office/drawing/2014/main" val="20004"/>
+                      <a16:colId xmlns:a16="http://schemas.microsoft.com/office/drawing/2014/main" xmlns="" val="20004"/>
                     </a:ext>
                   </a:extLst>
                 </a:gridCol>
@@ -5366,7 +5605,7 @@
                 </a:tc>
                 <a:extLst>
                   <a:ext uri="{0D108BD9-81ED-4DB2-BD59-A6C34878D82A}">
-                    <a16:rowId xmlns:a16="http://schemas.microsoft.com/office/drawing/2014/main" val="10000"/>
+                    <a16:rowId xmlns:a16="http://schemas.microsoft.com/office/drawing/2014/main" xmlns="" val="10000"/>
                   </a:ext>
                 </a:extLst>
               </a:tr>
@@ -5503,7 +5742,7 @@
                 </a:tc>
                 <a:extLst>
                   <a:ext uri="{0D108BD9-81ED-4DB2-BD59-A6C34878D82A}">
-                    <a16:rowId xmlns:a16="http://schemas.microsoft.com/office/drawing/2014/main" val="10001"/>
+                    <a16:rowId xmlns:a16="http://schemas.microsoft.com/office/drawing/2014/main" xmlns="" val="10001"/>
                   </a:ext>
                 </a:extLst>
               </a:tr>
@@ -5622,7 +5861,7 @@
                 </a:tc>
                 <a:extLst>
                   <a:ext uri="{0D108BD9-81ED-4DB2-BD59-A6C34878D82A}">
-                    <a16:rowId xmlns:a16="http://schemas.microsoft.com/office/drawing/2014/main" val="10002"/>
+                    <a16:rowId xmlns:a16="http://schemas.microsoft.com/office/drawing/2014/main" xmlns="" val="10002"/>
                   </a:ext>
                 </a:extLst>
               </a:tr>
@@ -5765,7 +6004,7 @@
                 </a:tc>
                 <a:extLst>
                   <a:ext uri="{0D108BD9-81ED-4DB2-BD59-A6C34878D82A}">
-                    <a16:rowId xmlns:a16="http://schemas.microsoft.com/office/drawing/2014/main" val="10003"/>
+                    <a16:rowId xmlns:a16="http://schemas.microsoft.com/office/drawing/2014/main" xmlns="" val="10003"/>
                   </a:ext>
                 </a:extLst>
               </a:tr>
@@ -5884,7 +6123,7 @@
                 </a:tc>
                 <a:extLst>
                   <a:ext uri="{0D108BD9-81ED-4DB2-BD59-A6C34878D82A}">
-                    <a16:rowId xmlns:a16="http://schemas.microsoft.com/office/drawing/2014/main" val="10004"/>
+                    <a16:rowId xmlns:a16="http://schemas.microsoft.com/office/drawing/2014/main" xmlns="" val="10004"/>
                   </a:ext>
                 </a:extLst>
               </a:tr>
@@ -6003,7 +6242,7 @@
                 </a:tc>
                 <a:extLst>
                   <a:ext uri="{0D108BD9-81ED-4DB2-BD59-A6C34878D82A}">
-                    <a16:rowId xmlns:a16="http://schemas.microsoft.com/office/drawing/2014/main" val="10005"/>
+                    <a16:rowId xmlns:a16="http://schemas.microsoft.com/office/drawing/2014/main" xmlns="" val="10005"/>
                   </a:ext>
                 </a:extLst>
               </a:tr>
@@ -6140,7 +6379,7 @@
                 </a:tc>
                 <a:extLst>
                   <a:ext uri="{0D108BD9-81ED-4DB2-BD59-A6C34878D82A}">
-                    <a16:rowId xmlns:a16="http://schemas.microsoft.com/office/drawing/2014/main" val="10006"/>
+                    <a16:rowId xmlns:a16="http://schemas.microsoft.com/office/drawing/2014/main" xmlns="" val="10006"/>
                   </a:ext>
                 </a:extLst>
               </a:tr>
@@ -6259,7 +6498,7 @@
                 </a:tc>
                 <a:extLst>
                   <a:ext uri="{0D108BD9-81ED-4DB2-BD59-A6C34878D82A}">
-                    <a16:rowId xmlns:a16="http://schemas.microsoft.com/office/drawing/2014/main" val="10007"/>
+                    <a16:rowId xmlns:a16="http://schemas.microsoft.com/office/drawing/2014/main" xmlns="" val="10007"/>
                   </a:ext>
                 </a:extLst>
               </a:tr>
@@ -6378,7 +6617,7 @@
                 </a:tc>
                 <a:extLst>
                   <a:ext uri="{0D108BD9-81ED-4DB2-BD59-A6C34878D82A}">
-                    <a16:rowId xmlns:a16="http://schemas.microsoft.com/office/drawing/2014/main" val="10008"/>
+                    <a16:rowId xmlns:a16="http://schemas.microsoft.com/office/drawing/2014/main" xmlns="" val="10008"/>
                   </a:ext>
                 </a:extLst>
               </a:tr>
@@ -6497,7 +6736,7 @@
                 </a:tc>
                 <a:extLst>
                   <a:ext uri="{0D108BD9-81ED-4DB2-BD59-A6C34878D82A}">
-                    <a16:rowId xmlns:a16="http://schemas.microsoft.com/office/drawing/2014/main" val="10009"/>
+                    <a16:rowId xmlns:a16="http://schemas.microsoft.com/office/drawing/2014/main" xmlns="" val="10009"/>
                   </a:ext>
                 </a:extLst>
               </a:tr>
@@ -6616,7 +6855,7 @@
                 </a:tc>
                 <a:extLst>
                   <a:ext uri="{0D108BD9-81ED-4DB2-BD59-A6C34878D82A}">
-                    <a16:rowId xmlns:a16="http://schemas.microsoft.com/office/drawing/2014/main" val="10010"/>
+                    <a16:rowId xmlns:a16="http://schemas.microsoft.com/office/drawing/2014/main" xmlns="" val="10010"/>
                   </a:ext>
                 </a:extLst>
               </a:tr>
@@ -6735,7 +6974,7 @@
                 </a:tc>
                 <a:extLst>
                   <a:ext uri="{0D108BD9-81ED-4DB2-BD59-A6C34878D82A}">
-                    <a16:rowId xmlns:a16="http://schemas.microsoft.com/office/drawing/2014/main" val="10011"/>
+                    <a16:rowId xmlns:a16="http://schemas.microsoft.com/office/drawing/2014/main" xmlns="" val="10011"/>
                   </a:ext>
                 </a:extLst>
               </a:tr>
@@ -6854,7 +7093,7 @@
                 </a:tc>
                 <a:extLst>
                   <a:ext uri="{0D108BD9-81ED-4DB2-BD59-A6C34878D82A}">
-                    <a16:rowId xmlns:a16="http://schemas.microsoft.com/office/drawing/2014/main" val="10012"/>
+                    <a16:rowId xmlns:a16="http://schemas.microsoft.com/office/drawing/2014/main" xmlns="" val="10012"/>
                   </a:ext>
                 </a:extLst>
               </a:tr>
@@ -6973,7 +7212,7 @@
                 </a:tc>
                 <a:extLst>
                   <a:ext uri="{0D108BD9-81ED-4DB2-BD59-A6C34878D82A}">
-                    <a16:rowId xmlns:a16="http://schemas.microsoft.com/office/drawing/2014/main" val="10013"/>
+                    <a16:rowId xmlns:a16="http://schemas.microsoft.com/office/drawing/2014/main" xmlns="" val="10013"/>
                   </a:ext>
                 </a:extLst>
               </a:tr>
@@ -7092,7 +7331,7 @@
                 </a:tc>
                 <a:extLst>
                   <a:ext uri="{0D108BD9-81ED-4DB2-BD59-A6C34878D82A}">
-                    <a16:rowId xmlns:a16="http://schemas.microsoft.com/office/drawing/2014/main" val="10014"/>
+                    <a16:rowId xmlns:a16="http://schemas.microsoft.com/office/drawing/2014/main" xmlns="" val="10014"/>
                   </a:ext>
                 </a:extLst>
               </a:tr>
@@ -7211,7 +7450,7 @@
                 </a:tc>
                 <a:extLst>
                   <a:ext uri="{0D108BD9-81ED-4DB2-BD59-A6C34878D82A}">
-                    <a16:rowId xmlns:a16="http://schemas.microsoft.com/office/drawing/2014/main" val="10015"/>
+                    <a16:rowId xmlns:a16="http://schemas.microsoft.com/office/drawing/2014/main" xmlns="" val="10015"/>
                   </a:ext>
                 </a:extLst>
               </a:tr>
@@ -7283,8 +7522,8 @@
           </a:p>
         </p:txBody>
       </p:sp>
-      <mc:AlternateContent xmlns:mc="http://schemas.openxmlformats.org/markup-compatibility/2006">
-        <mc:Choice xmlns:a14="http://schemas.microsoft.com/office/drawing/2010/main" Requires="a14">
+      <mc:AlternateContent xmlns:mc="http://schemas.openxmlformats.org/markup-compatibility/2006" xmlns:a14="http://schemas.microsoft.com/office/drawing/2010/main">
+        <mc:Choice Requires="a14">
           <p:sp>
             <p:nvSpPr>
               <p:cNvPr id="3" name="TextBox 2"/>
@@ -7314,15 +7553,7 @@
                 </a:pPr>
                 <a:r>
                   <a:rPr lang="ru-RU" sz="1200" dirty="0" smtClean="0"/>
-                  <a:t>1. Построение модели выполнялось </a:t>
-                </a:r>
-                <a:r>
-                  <a:rPr lang="ru-RU" sz="1200" dirty="0" smtClean="0"/>
-                  <a:t>на </a:t>
-                </a:r>
-                <a:r>
-                  <a:rPr lang="ru-RU" sz="1200" dirty="0" smtClean="0"/>
-                  <a:t>основе истории транзакций за годовой период (со </a:t>
+                  <a:t>1. Построение модели выполнялось на основе истории транзакций за годовой период (со </a:t>
                 </a:r>
                 <a:r>
                   <a:rPr lang="ru-RU" sz="1200" dirty="0"/>
@@ -7377,11 +7608,7 @@
                 </a:r>
                 <a:r>
                   <a:rPr lang="ru-RU" sz="1200" dirty="0" smtClean="0"/>
-                  <a:t>.  </a:t>
-                </a:r>
-                <a:r>
-                  <a:rPr lang="ru-RU" sz="1200" dirty="0" smtClean="0"/>
-                  <a:t>Признаковое описание клиента </a:t>
+                  <a:t>.  Признаковое описание клиента </a:t>
                 </a:r>
                 <a14:m>
                   <m:oMath xmlns:m="http://schemas.openxmlformats.org/officeDocument/2006/math">
@@ -7390,7 +7617,7 @@
                         <m:chr m:val="̅"/>
                         <m:ctrlPr>
                           <a:rPr lang="en-US" sz="1200" b="0" i="1" smtClean="0">
-                            <a:latin typeface="Cambria Math" panose="02040503050406030204" pitchFamily="18" charset="0"/>
+                            <a:latin typeface="Cambria Math"/>
                           </a:rPr>
                         </m:ctrlPr>
                       </m:accPr>
@@ -7399,7 +7626,7 @@
                           <m:sSubPr>
                             <m:ctrlPr>
                               <a:rPr lang="en-US" sz="1200" i="1">
-                                <a:latin typeface="Cambria Math" panose="02040503050406030204" pitchFamily="18" charset="0"/>
+                                <a:latin typeface="Cambria Math"/>
                               </a:rPr>
                             </m:ctrlPr>
                           </m:sSubPr>
@@ -7432,11 +7659,7 @@
                 </a14:m>
                 <a:r>
                   <a:rPr lang="ru-RU" sz="1200" dirty="0" smtClean="0"/>
-                  <a:t>представляло собой вектор с </a:t>
-                </a:r>
-                <a:r>
-                  <a:rPr lang="ru-RU" sz="1200" dirty="0" smtClean="0"/>
-                  <a:t>координатами</a:t>
+                  <a:t>представляло собой вектор с координатами</a:t>
                 </a:r>
               </a:p>
               <a:p>
@@ -7455,7 +7678,7 @@
                         <m:sSubPr>
                           <m:ctrlPr>
                             <a:rPr lang="en-US" sz="1200" b="0" i="1" smtClean="0">
-                              <a:latin typeface="Cambria Math" panose="02040503050406030204" pitchFamily="18" charset="0"/>
+                              <a:latin typeface="Cambria Math"/>
                             </a:rPr>
                           </m:ctrlPr>
                         </m:sSubPr>
@@ -7486,7 +7709,7 @@
                         <m:fPr>
                           <m:ctrlPr>
                             <a:rPr lang="en-US" sz="1200" b="0" i="1" smtClean="0">
-                              <a:latin typeface="Cambria Math" panose="02040503050406030204" pitchFamily="18" charset="0"/>
+                              <a:latin typeface="Cambria Math"/>
                             </a:rPr>
                           </m:ctrlPr>
                         </m:fPr>
@@ -7495,7 +7718,7 @@
                             <m:sSubPr>
                               <m:ctrlPr>
                                 <a:rPr lang="en-US" sz="1200" b="0" i="1" smtClean="0">
-                                  <a:latin typeface="Cambria Math" panose="02040503050406030204" pitchFamily="18" charset="0"/>
+                                  <a:latin typeface="Cambria Math"/>
                                 </a:rPr>
                               </m:ctrlPr>
                             </m:sSubPr>
@@ -7522,7 +7745,7 @@
                             <m:sSubPr>
                               <m:ctrlPr>
                                 <a:rPr lang="en-US" sz="1200" b="0" i="1" smtClean="0">
-                                  <a:latin typeface="Cambria Math" panose="02040503050406030204" pitchFamily="18" charset="0"/>
+                                  <a:latin typeface="Cambria Math"/>
                                 </a:rPr>
                               </m:ctrlPr>
                             </m:sSubPr>
@@ -7572,7 +7795,7 @@
                         <m:sSubPr>
                           <m:ctrlPr>
                             <a:rPr lang="en-US" sz="1200" i="1">
-                              <a:latin typeface="Cambria Math" panose="02040503050406030204" pitchFamily="18" charset="0"/>
+                              <a:latin typeface="Cambria Math"/>
                             </a:rPr>
                           </m:ctrlPr>
                         </m:sSubPr>
@@ -7615,7 +7838,7 @@
                         <m:sSubPr>
                           <m:ctrlPr>
                             <a:rPr lang="ru-RU" sz="1200" b="0" i="1" smtClean="0">
-                              <a:latin typeface="Cambria Math" panose="02040503050406030204" pitchFamily="18" charset="0"/>
+                              <a:latin typeface="Cambria Math"/>
                             </a:rPr>
                           </m:ctrlPr>
                         </m:sSubPr>
@@ -7670,7 +7893,7 @@
                         <m:sSubPr>
                           <m:ctrlPr>
                             <a:rPr lang="en-US" sz="1200" i="1" smtClean="0">
-                              <a:latin typeface="Cambria Math" panose="02040503050406030204" pitchFamily="18" charset="0"/>
+                              <a:latin typeface="Cambria Math"/>
                             </a:rPr>
                           </m:ctrlPr>
                         </m:sSubPr>
@@ -7713,7 +7936,7 @@
                         <m:sSubPr>
                           <m:ctrlPr>
                             <a:rPr lang="ru-RU" sz="1200" i="1">
-                              <a:latin typeface="Cambria Math" panose="02040503050406030204" pitchFamily="18" charset="0"/>
+                              <a:latin typeface="Cambria Math"/>
                             </a:rPr>
                           </m:ctrlPr>
                         </m:sSubPr>
@@ -7778,12 +8001,11 @@
                   <a:rPr lang="ru-RU" sz="1200" dirty="0" smtClean="0"/>
                   <a:t>пол, возраст, количество счетов в иностранной валюте, количество транзакций в год, сумма транзакций за годовой период, регион проживания, тип города проживания. </a:t>
                 </a:r>
-                <a:endParaRPr lang="ru-RU" sz="1200" dirty="0" smtClean="0"/>
               </a:p>
             </p:txBody>
           </p:sp>
         </mc:Choice>
-        <mc:Fallback>
+        <mc:Fallback xmlns="">
           <p:sp>
             <p:nvSpPr>
               <p:cNvPr id="3" name="TextBox 2"/>
@@ -7898,6 +8120,22 @@
               </a:rPr>
               <a:t>клиентов</a:t>
             </a:r>
+            <a:r>
+              <a:rPr lang="en-US" dirty="0" smtClean="0">
+                <a:solidFill>
+                  <a:srgbClr val="FF0000"/>
+                </a:solidFill>
+              </a:rPr>
+              <a:t> </a:t>
+            </a:r>
+            <a:r>
+              <a:rPr lang="ru-RU" dirty="0" smtClean="0">
+                <a:solidFill>
+                  <a:srgbClr val="FF0000"/>
+                </a:solidFill>
+              </a:rPr>
+              <a:t>от обычных клиентов</a:t>
+            </a:r>
             <a:endParaRPr lang="ru-RU" dirty="0"/>
           </a:p>
         </p:txBody>
@@ -7911,7 +8149,7 @@
           <p:nvPr>
             <p:extLst>
               <p:ext uri="{D42A27DB-BD31-4B8C-83A1-F6EECF244321}">
-                <p14:modId xmlns:p14="http://schemas.microsoft.com/office/powerpoint/2010/main" val="910455780"/>
+                <p14:modId xmlns:p14="http://schemas.microsoft.com/office/powerpoint/2010/main" val="3165645914"/>
               </p:ext>
             </p:extLst>
           </p:nvPr>
@@ -7930,14 +8168,14 @@
                 <a:gridCol w="4283879">
                   <a:extLst>
                     <a:ext uri="{9D8B030D-6E8A-4147-A177-3AD203B41FA5}">
-                      <a16:colId xmlns:a16="http://schemas.microsoft.com/office/drawing/2014/main" val="3917532287"/>
+                      <a16:colId xmlns:a16="http://schemas.microsoft.com/office/drawing/2014/main" xmlns="" val="3917532287"/>
                     </a:ext>
                   </a:extLst>
                 </a:gridCol>
                 <a:gridCol w="1764961">
                   <a:extLst>
                     <a:ext uri="{9D8B030D-6E8A-4147-A177-3AD203B41FA5}">
-                      <a16:colId xmlns:a16="http://schemas.microsoft.com/office/drawing/2014/main" val="3938263983"/>
+                      <a16:colId xmlns:a16="http://schemas.microsoft.com/office/drawing/2014/main" xmlns="" val="3938263983"/>
                     </a:ext>
                   </a:extLst>
                 </a:gridCol>
@@ -7949,7 +8187,7 @@
                     <a:lstStyle/>
                     <a:p>
                       <a:pPr algn="l" fontAlgn="b"/>
-                      <a:endParaRPr lang="ru-RU" sz="1200" b="0" i="0" u="none" strike="noStrike">
+                      <a:endParaRPr lang="ru-RU" sz="1200" b="0" i="0" u="none" strike="noStrike" dirty="0">
                         <a:solidFill>
                           <a:srgbClr val="000000"/>
                         </a:solidFill>
@@ -7985,7 +8223,7 @@
                 </a:tc>
                 <a:extLst>
                   <a:ext uri="{0D108BD9-81ED-4DB2-BD59-A6C34878D82A}">
-                    <a16:rowId xmlns:a16="http://schemas.microsoft.com/office/drawing/2014/main" val="3698532356"/>
+                    <a16:rowId xmlns:a16="http://schemas.microsoft.com/office/drawing/2014/main" xmlns="" val="3698532356"/>
                   </a:ext>
                 </a:extLst>
               </a:tr>
@@ -8038,7 +8276,7 @@
                 </a:tc>
                 <a:extLst>
                   <a:ext uri="{0D108BD9-81ED-4DB2-BD59-A6C34878D82A}">
-                    <a16:rowId xmlns:a16="http://schemas.microsoft.com/office/drawing/2014/main" val="3211353244"/>
+                    <a16:rowId xmlns:a16="http://schemas.microsoft.com/office/drawing/2014/main" xmlns="" val="3211353244"/>
                   </a:ext>
                 </a:extLst>
               </a:tr>
@@ -8091,7 +8329,7 @@
                 </a:tc>
                 <a:extLst>
                   <a:ext uri="{0D108BD9-81ED-4DB2-BD59-A6C34878D82A}">
-                    <a16:rowId xmlns:a16="http://schemas.microsoft.com/office/drawing/2014/main" val="3955176298"/>
+                    <a16:rowId xmlns:a16="http://schemas.microsoft.com/office/drawing/2014/main" xmlns="" val="3955176298"/>
                   </a:ext>
                 </a:extLst>
               </a:tr>
@@ -8150,7 +8388,7 @@
                 </a:tc>
                 <a:extLst>
                   <a:ext uri="{0D108BD9-81ED-4DB2-BD59-A6C34878D82A}">
-                    <a16:rowId xmlns:a16="http://schemas.microsoft.com/office/drawing/2014/main" val="193751271"/>
+                    <a16:rowId xmlns:a16="http://schemas.microsoft.com/office/drawing/2014/main" xmlns="" val="193751271"/>
                   </a:ext>
                 </a:extLst>
               </a:tr>
@@ -8215,7 +8453,7 @@
                 </a:tc>
                 <a:extLst>
                   <a:ext uri="{0D108BD9-81ED-4DB2-BD59-A6C34878D82A}">
-                    <a16:rowId xmlns:a16="http://schemas.microsoft.com/office/drawing/2014/main" val="998794919"/>
+                    <a16:rowId xmlns:a16="http://schemas.microsoft.com/office/drawing/2014/main" xmlns="" val="998794919"/>
                   </a:ext>
                 </a:extLst>
               </a:tr>
@@ -8292,7 +8530,7 @@
                 </a:tc>
                 <a:extLst>
                   <a:ext uri="{0D108BD9-81ED-4DB2-BD59-A6C34878D82A}">
-                    <a16:rowId xmlns:a16="http://schemas.microsoft.com/office/drawing/2014/main" val="1681431735"/>
+                    <a16:rowId xmlns:a16="http://schemas.microsoft.com/office/drawing/2014/main" xmlns="" val="1681431735"/>
                   </a:ext>
                 </a:extLst>
               </a:tr>
@@ -8363,7 +8601,7 @@
                 </a:tc>
                 <a:extLst>
                   <a:ext uri="{0D108BD9-81ED-4DB2-BD59-A6C34878D82A}">
-                    <a16:rowId xmlns:a16="http://schemas.microsoft.com/office/drawing/2014/main" val="377204672"/>
+                    <a16:rowId xmlns:a16="http://schemas.microsoft.com/office/drawing/2014/main" xmlns="" val="377204672"/>
                   </a:ext>
                 </a:extLst>
               </a:tr>
@@ -8440,7 +8678,7 @@
                 </a:tc>
                 <a:extLst>
                   <a:ext uri="{0D108BD9-81ED-4DB2-BD59-A6C34878D82A}">
-                    <a16:rowId xmlns:a16="http://schemas.microsoft.com/office/drawing/2014/main" val="3702724534"/>
+                    <a16:rowId xmlns:a16="http://schemas.microsoft.com/office/drawing/2014/main" xmlns="" val="3702724534"/>
                   </a:ext>
                 </a:extLst>
               </a:tr>
@@ -8517,7 +8755,7 @@
                 </a:tc>
                 <a:extLst>
                   <a:ext uri="{0D108BD9-81ED-4DB2-BD59-A6C34878D82A}">
-                    <a16:rowId xmlns:a16="http://schemas.microsoft.com/office/drawing/2014/main" val="1822470054"/>
+                    <a16:rowId xmlns:a16="http://schemas.microsoft.com/office/drawing/2014/main" xmlns="" val="1822470054"/>
                   </a:ext>
                 </a:extLst>
               </a:tr>
@@ -8576,7 +8814,7 @@
                 </a:tc>
                 <a:extLst>
                   <a:ext uri="{0D108BD9-81ED-4DB2-BD59-A6C34878D82A}">
-                    <a16:rowId xmlns:a16="http://schemas.microsoft.com/office/drawing/2014/main" val="1846597118"/>
+                    <a16:rowId xmlns:a16="http://schemas.microsoft.com/office/drawing/2014/main" xmlns="" val="1846597118"/>
                   </a:ext>
                 </a:extLst>
               </a:tr>
@@ -8629,7 +8867,7 @@
                 </a:tc>
                 <a:extLst>
                   <a:ext uri="{0D108BD9-81ED-4DB2-BD59-A6C34878D82A}">
-                    <a16:rowId xmlns:a16="http://schemas.microsoft.com/office/drawing/2014/main" val="4208033178"/>
+                    <a16:rowId xmlns:a16="http://schemas.microsoft.com/office/drawing/2014/main" xmlns="" val="4208033178"/>
                   </a:ext>
                 </a:extLst>
               </a:tr>
@@ -8682,7 +8920,7 @@
                 </a:tc>
                 <a:extLst>
                   <a:ext uri="{0D108BD9-81ED-4DB2-BD59-A6C34878D82A}">
-                    <a16:rowId xmlns:a16="http://schemas.microsoft.com/office/drawing/2014/main" val="2194599067"/>
+                    <a16:rowId xmlns:a16="http://schemas.microsoft.com/office/drawing/2014/main" xmlns="" val="2194599067"/>
                   </a:ext>
                 </a:extLst>
               </a:tr>
@@ -8735,7 +8973,7 @@
                 </a:tc>
                 <a:extLst>
                   <a:ext uri="{0D108BD9-81ED-4DB2-BD59-A6C34878D82A}">
-                    <a16:rowId xmlns:a16="http://schemas.microsoft.com/office/drawing/2014/main" val="4267419877"/>
+                    <a16:rowId xmlns:a16="http://schemas.microsoft.com/office/drawing/2014/main" xmlns="" val="4267419877"/>
                   </a:ext>
                 </a:extLst>
               </a:tr>
@@ -8788,7 +9026,7 @@
                 </a:tc>
                 <a:extLst>
                   <a:ext uri="{0D108BD9-81ED-4DB2-BD59-A6C34878D82A}">
-                    <a16:rowId xmlns:a16="http://schemas.microsoft.com/office/drawing/2014/main" val="1155870116"/>
+                    <a16:rowId xmlns:a16="http://schemas.microsoft.com/office/drawing/2014/main" xmlns="" val="1155870116"/>
                   </a:ext>
                 </a:extLst>
               </a:tr>
@@ -8841,7 +9079,7 @@
                 </a:tc>
                 <a:extLst>
                   <a:ext uri="{0D108BD9-81ED-4DB2-BD59-A6C34878D82A}">
-                    <a16:rowId xmlns:a16="http://schemas.microsoft.com/office/drawing/2014/main" val="2043622122"/>
+                    <a16:rowId xmlns:a16="http://schemas.microsoft.com/office/drawing/2014/main" xmlns="" val="2043622122"/>
                   </a:ext>
                 </a:extLst>
               </a:tr>
@@ -8900,7 +9138,7 @@
                 </a:tc>
                 <a:extLst>
                   <a:ext uri="{0D108BD9-81ED-4DB2-BD59-A6C34878D82A}">
-                    <a16:rowId xmlns:a16="http://schemas.microsoft.com/office/drawing/2014/main" val="211082062"/>
+                    <a16:rowId xmlns:a16="http://schemas.microsoft.com/office/drawing/2014/main" xmlns="" val="211082062"/>
                   </a:ext>
                 </a:extLst>
               </a:tr>
@@ -8959,7 +9197,7 @@
                 </a:tc>
                 <a:extLst>
                   <a:ext uri="{0D108BD9-81ED-4DB2-BD59-A6C34878D82A}">
-                    <a16:rowId xmlns:a16="http://schemas.microsoft.com/office/drawing/2014/main" val="2725062664"/>
+                    <a16:rowId xmlns:a16="http://schemas.microsoft.com/office/drawing/2014/main" xmlns="" val="2725062664"/>
                   </a:ext>
                 </a:extLst>
               </a:tr>
@@ -9018,7 +9256,7 @@
                 </a:tc>
                 <a:extLst>
                   <a:ext uri="{0D108BD9-81ED-4DB2-BD59-A6C34878D82A}">
-                    <a16:rowId xmlns:a16="http://schemas.microsoft.com/office/drawing/2014/main" val="3382324070"/>
+                    <a16:rowId xmlns:a16="http://schemas.microsoft.com/office/drawing/2014/main" xmlns="" val="3382324070"/>
                   </a:ext>
                 </a:extLst>
               </a:tr>
@@ -9088,7 +9326,7 @@
                 </a:tc>
                 <a:extLst>
                   <a:ext uri="{0D108BD9-81ED-4DB2-BD59-A6C34878D82A}">
-                    <a16:rowId xmlns:a16="http://schemas.microsoft.com/office/drawing/2014/main" val="1179083007"/>
+                    <a16:rowId xmlns:a16="http://schemas.microsoft.com/office/drawing/2014/main" xmlns="" val="1179083007"/>
                   </a:ext>
                 </a:extLst>
               </a:tr>
@@ -9158,7 +9396,7 @@
                 </a:tc>
                 <a:extLst>
                   <a:ext uri="{0D108BD9-81ED-4DB2-BD59-A6C34878D82A}">
-                    <a16:rowId xmlns:a16="http://schemas.microsoft.com/office/drawing/2014/main" val="2422854304"/>
+                    <a16:rowId xmlns:a16="http://schemas.microsoft.com/office/drawing/2014/main" xmlns="" val="2422854304"/>
                   </a:ext>
                 </a:extLst>
               </a:tr>
@@ -9187,6 +9425,1315 @@
 </file>
 
 <file path=ppt/slides/slide5.xml><?xml version="1.0" encoding="utf-8"?>
+<p:sld xmlns:a="http://schemas.openxmlformats.org/drawingml/2006/main" xmlns:r="http://schemas.openxmlformats.org/officeDocument/2006/relationships" xmlns:p="http://schemas.openxmlformats.org/presentationml/2006/main">
+  <p:cSld>
+    <p:spTree>
+      <p:nvGrpSpPr>
+        <p:cNvPr id="1" name=""/>
+        <p:cNvGrpSpPr/>
+        <p:nvPr/>
+      </p:nvGrpSpPr>
+      <p:grpSpPr>
+        <a:xfrm>
+          <a:off x="0" y="0"/>
+          <a:ext cx="0" cy="0"/>
+          <a:chOff x="0" y="0"/>
+          <a:chExt cx="0" cy="0"/>
+        </a:xfrm>
+      </p:grpSpPr>
+      <p:sp>
+        <p:nvSpPr>
+          <p:cNvPr id="2" name="Заголовок 1"/>
+          <p:cNvSpPr>
+            <a:spLocks noGrp="1"/>
+          </p:cNvSpPr>
+          <p:nvPr>
+            <p:ph type="title"/>
+          </p:nvPr>
+        </p:nvSpPr>
+        <p:spPr/>
+        <p:txBody>
+          <a:bodyPr/>
+          <a:lstStyle/>
+          <a:p>
+            <a:r>
+              <a:rPr lang="ru-RU" dirty="0">
+                <a:solidFill>
+                  <a:srgbClr val="FF0000"/>
+                </a:solidFill>
+              </a:rPr>
+              <a:t>Категории трат отличающие </a:t>
+            </a:r>
+            <a:r>
+              <a:rPr lang="en-US" dirty="0">
+                <a:solidFill>
+                  <a:srgbClr val="FF0000"/>
+                </a:solidFill>
+              </a:rPr>
+              <a:t>VIP </a:t>
+            </a:r>
+            <a:r>
+              <a:rPr lang="ru-RU" dirty="0">
+                <a:solidFill>
+                  <a:srgbClr val="FF0000"/>
+                </a:solidFill>
+              </a:rPr>
+              <a:t>клиентов</a:t>
+            </a:r>
+            <a:r>
+              <a:rPr lang="en-US" dirty="0">
+                <a:solidFill>
+                  <a:srgbClr val="FF0000"/>
+                </a:solidFill>
+              </a:rPr>
+              <a:t> </a:t>
+            </a:r>
+            <a:r>
+              <a:rPr lang="ru-RU" dirty="0">
+                <a:solidFill>
+                  <a:srgbClr val="FF0000"/>
+                </a:solidFill>
+              </a:rPr>
+              <a:t>от </a:t>
+            </a:r>
+            <a:r>
+              <a:rPr lang="en-US" dirty="0" smtClean="0">
+                <a:solidFill>
+                  <a:srgbClr val="FF0000"/>
+                </a:solidFill>
+              </a:rPr>
+              <a:t>Premium</a:t>
+            </a:r>
+            <a:r>
+              <a:rPr lang="ru-RU" dirty="0" smtClean="0">
+                <a:solidFill>
+                  <a:srgbClr val="FF0000"/>
+                </a:solidFill>
+              </a:rPr>
+              <a:t> </a:t>
+            </a:r>
+            <a:r>
+              <a:rPr lang="ru-RU" dirty="0">
+                <a:solidFill>
+                  <a:srgbClr val="FF0000"/>
+                </a:solidFill>
+              </a:rPr>
+              <a:t>клиентов</a:t>
+            </a:r>
+            <a:endParaRPr lang="ru-RU" dirty="0"/>
+          </a:p>
+        </p:txBody>
+      </p:sp>
+      <p:graphicFrame>
+        <p:nvGraphicFramePr>
+          <p:cNvPr id="3" name="Таблица 2"/>
+          <p:cNvGraphicFramePr>
+            <a:graphicFrameLocks noGrp="1"/>
+          </p:cNvGraphicFramePr>
+          <p:nvPr>
+            <p:extLst>
+              <p:ext uri="{D42A27DB-BD31-4B8C-83A1-F6EECF244321}">
+                <p14:modId xmlns:p14="http://schemas.microsoft.com/office/powerpoint/2010/main" val="4219281687"/>
+              </p:ext>
+            </p:extLst>
+          </p:nvPr>
+        </p:nvGraphicFramePr>
+        <p:xfrm>
+          <a:off x="1331550" y="530000"/>
+          <a:ext cx="5976830" cy="4000500"/>
+        </p:xfrm>
+        <a:graphic>
+          <a:graphicData uri="http://schemas.openxmlformats.org/drawingml/2006/table">
+            <a:tbl>
+              <a:tblPr firstRow="1" firstCol="1">
+                <a:tableStyleId>{5DA37D80-6434-44D0-A028-1B22A696006F}</a:tableStyleId>
+              </a:tblPr>
+              <a:tblGrid>
+                <a:gridCol w="3600500"/>
+                <a:gridCol w="2376330"/>
+              </a:tblGrid>
+              <a:tr h="182880">
+                <a:tc>
+                  <a:txBody>
+                    <a:bodyPr/>
+                    <a:lstStyle/>
+                    <a:p>
+                      <a:pPr marL="0" algn="r" defTabSz="914400" rtl="0" eaLnBrk="1" fontAlgn="b" latinLnBrk="0" hangingPunct="1"/>
+                      <a:endParaRPr lang="ru-RU" sz="1000" u="none" strike="noStrike" kern="1200" dirty="0">
+                        <a:solidFill>
+                          <a:schemeClr val="tx1"/>
+                        </a:solidFill>
+                        <a:effectLst/>
+                        <a:latin typeface="+mn-lt"/>
+                        <a:ea typeface="+mn-ea"/>
+                        <a:cs typeface="+mn-cs"/>
+                      </a:endParaRPr>
+                    </a:p>
+                  </a:txBody>
+                  <a:tcPr marL="7620" marR="7620" marT="7620" marB="0" anchor="ctr"/>
+                </a:tc>
+                <a:tc>
+                  <a:txBody>
+                    <a:bodyPr/>
+                    <a:lstStyle/>
+                    <a:p>
+                      <a:pPr marL="0" marR="0" indent="0" algn="ctr" defTabSz="914400" rtl="0" eaLnBrk="1" fontAlgn="b" latinLnBrk="0" hangingPunct="1">
+                        <a:lnSpc>
+                          <a:spcPct val="100000"/>
+                        </a:lnSpc>
+                        <a:spcBef>
+                          <a:spcPts val="0"/>
+                        </a:spcBef>
+                        <a:spcAft>
+                          <a:spcPts val="0"/>
+                        </a:spcAft>
+                        <a:buClrTx/>
+                        <a:buSzTx/>
+                        <a:buFontTx/>
+                        <a:buNone/>
+                        <a:tabLst/>
+                        <a:defRPr/>
+                      </a:pPr>
+                      <a:r>
+                        <a:rPr lang="ru-RU" sz="1000" u="none" strike="noStrike" dirty="0" smtClean="0">
+                          <a:effectLst/>
+                        </a:rPr>
+                        <a:t>Сила разделения</a:t>
+                      </a:r>
+                      <a:endParaRPr lang="ru-RU" sz="1000" b="1" i="0" u="none" strike="noStrike" dirty="0" smtClean="0">
+                        <a:solidFill>
+                          <a:srgbClr val="000000"/>
+                        </a:solidFill>
+                        <a:effectLst/>
+                        <a:latin typeface="Calibri" panose="020F0502020204030204" pitchFamily="34" charset="0"/>
+                      </a:endParaRPr>
+                    </a:p>
+                  </a:txBody>
+                  <a:tcPr marL="7620" marR="7620" marT="7620" marB="0" anchor="b"/>
+                </a:tc>
+              </a:tr>
+              <a:tr h="182880">
+                <a:tc>
+                  <a:txBody>
+                    <a:bodyPr/>
+                    <a:lstStyle/>
+                    <a:p>
+                      <a:pPr marL="0" algn="ctr" defTabSz="914400" rtl="0" eaLnBrk="1" fontAlgn="b" latinLnBrk="0" hangingPunct="1"/>
+                      <a:r>
+                        <a:rPr lang="ru-RU" sz="1000" u="none" strike="noStrike" kern="1200" dirty="0">
+                          <a:effectLst/>
+                        </a:rPr>
+                        <a:t>Отели и перелеты                        </a:t>
+                      </a:r>
+                      <a:endParaRPr lang="ru-RU" sz="1000" u="none" strike="noStrike" kern="1200" dirty="0">
+                        <a:solidFill>
+                          <a:schemeClr val="tx1"/>
+                        </a:solidFill>
+                        <a:effectLst/>
+                        <a:latin typeface="+mn-lt"/>
+                        <a:ea typeface="+mn-ea"/>
+                        <a:cs typeface="+mn-cs"/>
+                      </a:endParaRPr>
+                    </a:p>
+                  </a:txBody>
+                  <a:tcPr marL="7620" marR="7620" marT="7620" marB="0" anchor="ctr"/>
+                </a:tc>
+                <a:tc>
+                  <a:txBody>
+                    <a:bodyPr/>
+                    <a:lstStyle/>
+                    <a:p>
+                      <a:pPr marL="0" algn="r" defTabSz="914400" rtl="0" eaLnBrk="1" fontAlgn="b" latinLnBrk="0" hangingPunct="1"/>
+                      <a:r>
+                        <a:rPr lang="ru-RU" sz="1000" u="none" strike="noStrike" kern="1200" dirty="0">
+                          <a:effectLst/>
+                        </a:rPr>
+                        <a:t>2,236</a:t>
+                      </a:r>
+                      <a:endParaRPr lang="ru-RU" sz="1000" u="none" strike="noStrike" kern="1200" dirty="0">
+                        <a:solidFill>
+                          <a:schemeClr val="tx1"/>
+                        </a:solidFill>
+                        <a:effectLst/>
+                        <a:latin typeface="+mn-lt"/>
+                        <a:ea typeface="+mn-ea"/>
+                        <a:cs typeface="+mn-cs"/>
+                      </a:endParaRPr>
+                    </a:p>
+                  </a:txBody>
+                  <a:tcPr marL="7620" marR="7620" marT="7620" marB="0" anchor="b"/>
+                </a:tc>
+              </a:tr>
+              <a:tr h="182880">
+                <a:tc>
+                  <a:txBody>
+                    <a:bodyPr/>
+                    <a:lstStyle/>
+                    <a:p>
+                      <a:pPr marL="0" algn="ctr" defTabSz="914400" rtl="0" eaLnBrk="1" fontAlgn="b" latinLnBrk="0" hangingPunct="1"/>
+                      <a:r>
+                        <a:rPr lang="ru-RU" sz="1000" u="none" strike="noStrike" kern="1200" dirty="0">
+                          <a:effectLst/>
+                        </a:rPr>
+                        <a:t>Медицина        </a:t>
+                      </a:r>
+                      <a:endParaRPr lang="ru-RU" sz="1000" u="none" strike="noStrike" kern="1200" dirty="0">
+                        <a:solidFill>
+                          <a:schemeClr val="tx1"/>
+                        </a:solidFill>
+                        <a:effectLst/>
+                        <a:latin typeface="+mn-lt"/>
+                        <a:ea typeface="+mn-ea"/>
+                        <a:cs typeface="+mn-cs"/>
+                      </a:endParaRPr>
+                    </a:p>
+                  </a:txBody>
+                  <a:tcPr marL="7620" marR="7620" marT="7620" marB="0" anchor="ctr"/>
+                </a:tc>
+                <a:tc>
+                  <a:txBody>
+                    <a:bodyPr/>
+                    <a:lstStyle/>
+                    <a:p>
+                      <a:pPr marL="0" algn="r" defTabSz="914400" rtl="0" eaLnBrk="1" fontAlgn="b" latinLnBrk="0" hangingPunct="1"/>
+                      <a:r>
+                        <a:rPr lang="ru-RU" sz="1000" u="none" strike="noStrike" kern="1200" dirty="0">
+                          <a:effectLst/>
+                        </a:rPr>
+                        <a:t>1,663</a:t>
+                      </a:r>
+                      <a:endParaRPr lang="ru-RU" sz="1000" u="none" strike="noStrike" kern="1200" dirty="0">
+                        <a:solidFill>
+                          <a:schemeClr val="tx1"/>
+                        </a:solidFill>
+                        <a:effectLst/>
+                        <a:latin typeface="+mn-lt"/>
+                        <a:ea typeface="+mn-ea"/>
+                        <a:cs typeface="+mn-cs"/>
+                      </a:endParaRPr>
+                    </a:p>
+                  </a:txBody>
+                  <a:tcPr marL="7620" marR="7620" marT="7620" marB="0" anchor="b"/>
+                </a:tc>
+              </a:tr>
+              <a:tr h="182880">
+                <a:tc>
+                  <a:txBody>
+                    <a:bodyPr/>
+                    <a:lstStyle/>
+                    <a:p>
+                      <a:pPr marL="0" algn="ctr" defTabSz="914400" rtl="0" eaLnBrk="1" fontAlgn="b" latinLnBrk="0" hangingPunct="1"/>
+                      <a:r>
+                        <a:rPr lang="ru-RU" sz="1000" u="none" strike="noStrike" kern="1200" dirty="0">
+                          <a:effectLst/>
+                        </a:rPr>
+                        <a:t>Различные магазины одежды и аксессуары     </a:t>
+                      </a:r>
+                      <a:endParaRPr lang="ru-RU" sz="1000" u="none" strike="noStrike" kern="1200" dirty="0">
+                        <a:solidFill>
+                          <a:schemeClr val="tx1"/>
+                        </a:solidFill>
+                        <a:effectLst/>
+                        <a:latin typeface="+mn-lt"/>
+                        <a:ea typeface="+mn-ea"/>
+                        <a:cs typeface="+mn-cs"/>
+                      </a:endParaRPr>
+                    </a:p>
+                  </a:txBody>
+                  <a:tcPr marL="7620" marR="7620" marT="7620" marB="0" anchor="ctr"/>
+                </a:tc>
+                <a:tc>
+                  <a:txBody>
+                    <a:bodyPr/>
+                    <a:lstStyle/>
+                    <a:p>
+                      <a:pPr marL="0" algn="r" defTabSz="914400" rtl="0" eaLnBrk="1" fontAlgn="b" latinLnBrk="0" hangingPunct="1"/>
+                      <a:r>
+                        <a:rPr lang="ru-RU" sz="1000" u="none" strike="noStrike" kern="1200" dirty="0">
+                          <a:effectLst/>
+                        </a:rPr>
+                        <a:t>0,889</a:t>
+                      </a:r>
+                      <a:endParaRPr lang="ru-RU" sz="1000" u="none" strike="noStrike" kern="1200" dirty="0">
+                        <a:solidFill>
+                          <a:schemeClr val="tx1"/>
+                        </a:solidFill>
+                        <a:effectLst/>
+                        <a:latin typeface="+mn-lt"/>
+                        <a:ea typeface="+mn-ea"/>
+                        <a:cs typeface="+mn-cs"/>
+                      </a:endParaRPr>
+                    </a:p>
+                  </a:txBody>
+                  <a:tcPr marL="7620" marR="7620" marT="7620" marB="0" anchor="b"/>
+                </a:tc>
+              </a:tr>
+              <a:tr h="182880">
+                <a:tc>
+                  <a:txBody>
+                    <a:bodyPr/>
+                    <a:lstStyle/>
+                    <a:p>
+                      <a:pPr marL="0" algn="ctr" defTabSz="914400" rtl="0" eaLnBrk="1" fontAlgn="b" latinLnBrk="0" hangingPunct="1"/>
+                      <a:r>
+                        <a:rPr lang="ru-RU" sz="1000" u="none" strike="noStrike" kern="1200" dirty="0">
+                          <a:effectLst/>
+                        </a:rPr>
+                        <a:t>Рестораны и </a:t>
+                      </a:r>
+                      <a:r>
+                        <a:rPr lang="ru-RU" sz="1000" u="none" strike="noStrike" kern="1200" dirty="0" err="1">
+                          <a:effectLst/>
+                        </a:rPr>
+                        <a:t>фастфуд</a:t>
+                      </a:r>
+                      <a:r>
+                        <a:rPr lang="ru-RU" sz="1000" u="none" strike="noStrike" kern="1200" dirty="0">
+                          <a:effectLst/>
+                        </a:rPr>
+                        <a:t>                                   </a:t>
+                      </a:r>
+                      <a:endParaRPr lang="ru-RU" sz="1000" u="none" strike="noStrike" kern="1200" dirty="0">
+                        <a:solidFill>
+                          <a:schemeClr val="tx1"/>
+                        </a:solidFill>
+                        <a:effectLst/>
+                        <a:latin typeface="+mn-lt"/>
+                        <a:ea typeface="+mn-ea"/>
+                        <a:cs typeface="+mn-cs"/>
+                      </a:endParaRPr>
+                    </a:p>
+                  </a:txBody>
+                  <a:tcPr marL="7620" marR="7620" marT="7620" marB="0" anchor="ctr"/>
+                </a:tc>
+                <a:tc>
+                  <a:txBody>
+                    <a:bodyPr/>
+                    <a:lstStyle/>
+                    <a:p>
+                      <a:pPr marL="0" algn="r" defTabSz="914400" rtl="0" eaLnBrk="1" fontAlgn="b" latinLnBrk="0" hangingPunct="1"/>
+                      <a:r>
+                        <a:rPr lang="ru-RU" sz="1000" u="none" strike="noStrike" kern="1200" dirty="0">
+                          <a:effectLst/>
+                        </a:rPr>
+                        <a:t>0,464</a:t>
+                      </a:r>
+                      <a:endParaRPr lang="ru-RU" sz="1000" u="none" strike="noStrike" kern="1200" dirty="0">
+                        <a:solidFill>
+                          <a:schemeClr val="tx1"/>
+                        </a:solidFill>
+                        <a:effectLst/>
+                        <a:latin typeface="+mn-lt"/>
+                        <a:ea typeface="+mn-ea"/>
+                        <a:cs typeface="+mn-cs"/>
+                      </a:endParaRPr>
+                    </a:p>
+                  </a:txBody>
+                  <a:tcPr marL="7620" marR="7620" marT="7620" marB="0" anchor="b"/>
+                </a:tc>
+              </a:tr>
+              <a:tr h="182880">
+                <a:tc>
+                  <a:txBody>
+                    <a:bodyPr/>
+                    <a:lstStyle/>
+                    <a:p>
+                      <a:pPr marL="0" algn="ctr" defTabSz="914400" rtl="0" eaLnBrk="1" fontAlgn="b" latinLnBrk="0" hangingPunct="1"/>
+                      <a:r>
+                        <a:rPr lang="ru-RU" sz="1000" u="none" strike="noStrike" kern="1200" dirty="0">
+                          <a:effectLst/>
+                        </a:rPr>
+                        <a:t>Магазины мужской и женской одежды           </a:t>
+                      </a:r>
+                      <a:endParaRPr lang="ru-RU" sz="1000" u="none" strike="noStrike" kern="1200" dirty="0">
+                        <a:solidFill>
+                          <a:schemeClr val="tx1"/>
+                        </a:solidFill>
+                        <a:effectLst/>
+                        <a:latin typeface="+mn-lt"/>
+                        <a:ea typeface="+mn-ea"/>
+                        <a:cs typeface="+mn-cs"/>
+                      </a:endParaRPr>
+                    </a:p>
+                  </a:txBody>
+                  <a:tcPr marL="7620" marR="7620" marT="7620" marB="0" anchor="ctr"/>
+                </a:tc>
+                <a:tc>
+                  <a:txBody>
+                    <a:bodyPr/>
+                    <a:lstStyle/>
+                    <a:p>
+                      <a:pPr marL="0" algn="r" defTabSz="914400" rtl="0" eaLnBrk="1" fontAlgn="b" latinLnBrk="0" hangingPunct="1"/>
+                      <a:r>
+                        <a:rPr lang="ru-RU" sz="1000" u="none" strike="noStrike" kern="1200" dirty="0">
+                          <a:effectLst/>
+                        </a:rPr>
+                        <a:t>0,442</a:t>
+                      </a:r>
+                      <a:endParaRPr lang="ru-RU" sz="1000" u="none" strike="noStrike" kern="1200" dirty="0">
+                        <a:solidFill>
+                          <a:schemeClr val="tx1"/>
+                        </a:solidFill>
+                        <a:effectLst/>
+                        <a:latin typeface="+mn-lt"/>
+                        <a:ea typeface="+mn-ea"/>
+                        <a:cs typeface="+mn-cs"/>
+                      </a:endParaRPr>
+                    </a:p>
+                  </a:txBody>
+                  <a:tcPr marL="7620" marR="7620" marT="7620" marB="0" anchor="b"/>
+                </a:tc>
+              </a:tr>
+              <a:tr h="182880">
+                <a:tc>
+                  <a:txBody>
+                    <a:bodyPr/>
+                    <a:lstStyle/>
+                    <a:p>
+                      <a:pPr marL="0" algn="ctr" defTabSz="914400" rtl="0" eaLnBrk="1" fontAlgn="b" latinLnBrk="0" hangingPunct="1"/>
+                      <a:r>
+                        <a:rPr lang="ru-RU" sz="1000" u="none" strike="noStrike" kern="1200" dirty="0">
+                          <a:effectLst/>
+                        </a:rPr>
+                        <a:t>Парикмахерские и салоны красоты              </a:t>
+                      </a:r>
+                      <a:endParaRPr lang="ru-RU" sz="1000" u="none" strike="noStrike" kern="1200" dirty="0">
+                        <a:solidFill>
+                          <a:schemeClr val="tx1"/>
+                        </a:solidFill>
+                        <a:effectLst/>
+                        <a:latin typeface="+mn-lt"/>
+                        <a:ea typeface="+mn-ea"/>
+                        <a:cs typeface="+mn-cs"/>
+                      </a:endParaRPr>
+                    </a:p>
+                  </a:txBody>
+                  <a:tcPr marL="7620" marR="7620" marT="7620" marB="0" anchor="ctr"/>
+                </a:tc>
+                <a:tc>
+                  <a:txBody>
+                    <a:bodyPr/>
+                    <a:lstStyle/>
+                    <a:p>
+                      <a:pPr marL="0" algn="r" defTabSz="914400" rtl="0" eaLnBrk="1" fontAlgn="b" latinLnBrk="0" hangingPunct="1"/>
+                      <a:r>
+                        <a:rPr lang="ru-RU" sz="1000" u="none" strike="noStrike" kern="1200" dirty="0">
+                          <a:effectLst/>
+                        </a:rPr>
+                        <a:t>0,39</a:t>
+                      </a:r>
+                      <a:endParaRPr lang="ru-RU" sz="1000" u="none" strike="noStrike" kern="1200" dirty="0">
+                        <a:solidFill>
+                          <a:schemeClr val="tx1"/>
+                        </a:solidFill>
+                        <a:effectLst/>
+                        <a:latin typeface="+mn-lt"/>
+                        <a:ea typeface="+mn-ea"/>
+                        <a:cs typeface="+mn-cs"/>
+                      </a:endParaRPr>
+                    </a:p>
+                  </a:txBody>
+                  <a:tcPr marL="7620" marR="7620" marT="7620" marB="0" anchor="b"/>
+                </a:tc>
+              </a:tr>
+              <a:tr h="182880">
+                <a:tc>
+                  <a:txBody>
+                    <a:bodyPr/>
+                    <a:lstStyle/>
+                    <a:p>
+                      <a:pPr marL="0" algn="ctr" defTabSz="914400" rtl="0" eaLnBrk="1" fontAlgn="b" latinLnBrk="0" hangingPunct="1"/>
+                      <a:r>
+                        <a:rPr lang="ru-RU" sz="1000" u="none" strike="noStrike" kern="1200" dirty="0">
+                          <a:effectLst/>
+                        </a:rPr>
+                        <a:t>Одежда для всей семьи                       </a:t>
+                      </a:r>
+                      <a:endParaRPr lang="ru-RU" sz="1000" u="none" strike="noStrike" kern="1200" dirty="0">
+                        <a:solidFill>
+                          <a:schemeClr val="tx1"/>
+                        </a:solidFill>
+                        <a:effectLst/>
+                        <a:latin typeface="+mn-lt"/>
+                        <a:ea typeface="+mn-ea"/>
+                        <a:cs typeface="+mn-cs"/>
+                      </a:endParaRPr>
+                    </a:p>
+                  </a:txBody>
+                  <a:tcPr marL="7620" marR="7620" marT="7620" marB="0" anchor="ctr"/>
+                </a:tc>
+                <a:tc>
+                  <a:txBody>
+                    <a:bodyPr/>
+                    <a:lstStyle/>
+                    <a:p>
+                      <a:pPr marL="0" algn="r" defTabSz="914400" rtl="0" eaLnBrk="1" fontAlgn="b" latinLnBrk="0" hangingPunct="1"/>
+                      <a:r>
+                        <a:rPr lang="ru-RU" sz="1000" u="none" strike="noStrike" kern="1200" dirty="0">
+                          <a:effectLst/>
+                        </a:rPr>
+                        <a:t>0,341</a:t>
+                      </a:r>
+                      <a:endParaRPr lang="ru-RU" sz="1000" u="none" strike="noStrike" kern="1200" dirty="0">
+                        <a:solidFill>
+                          <a:schemeClr val="tx1"/>
+                        </a:solidFill>
+                        <a:effectLst/>
+                        <a:latin typeface="+mn-lt"/>
+                        <a:ea typeface="+mn-ea"/>
+                        <a:cs typeface="+mn-cs"/>
+                      </a:endParaRPr>
+                    </a:p>
+                  </a:txBody>
+                  <a:tcPr marL="7620" marR="7620" marT="7620" marB="0" anchor="b"/>
+                </a:tc>
+              </a:tr>
+              <a:tr h="182880">
+                <a:tc>
+                  <a:txBody>
+                    <a:bodyPr/>
+                    <a:lstStyle/>
+                    <a:p>
+                      <a:pPr marL="0" algn="ctr" defTabSz="914400" rtl="0" eaLnBrk="1" fontAlgn="b" latinLnBrk="0" hangingPunct="1"/>
+                      <a:r>
+                        <a:rPr lang="ru-RU" sz="1000" u="none" strike="noStrike" kern="1200" dirty="0">
+                          <a:effectLst/>
+                        </a:rPr>
+                        <a:t>Часы, ювелирные и серебряные изделия         </a:t>
+                      </a:r>
+                      <a:endParaRPr lang="ru-RU" sz="1000" u="none" strike="noStrike" kern="1200" dirty="0">
+                        <a:solidFill>
+                          <a:schemeClr val="tx1"/>
+                        </a:solidFill>
+                        <a:effectLst/>
+                        <a:latin typeface="+mn-lt"/>
+                        <a:ea typeface="+mn-ea"/>
+                        <a:cs typeface="+mn-cs"/>
+                      </a:endParaRPr>
+                    </a:p>
+                  </a:txBody>
+                  <a:tcPr marL="7620" marR="7620" marT="7620" marB="0" anchor="ctr"/>
+                </a:tc>
+                <a:tc>
+                  <a:txBody>
+                    <a:bodyPr/>
+                    <a:lstStyle/>
+                    <a:p>
+                      <a:pPr marL="0" algn="r" defTabSz="914400" rtl="0" eaLnBrk="1" fontAlgn="b" latinLnBrk="0" hangingPunct="1"/>
+                      <a:r>
+                        <a:rPr lang="ru-RU" sz="1000" u="none" strike="noStrike" kern="1200" dirty="0">
+                          <a:effectLst/>
+                        </a:rPr>
+                        <a:t>0,276</a:t>
+                      </a:r>
+                      <a:endParaRPr lang="ru-RU" sz="1000" u="none" strike="noStrike" kern="1200" dirty="0">
+                        <a:solidFill>
+                          <a:schemeClr val="tx1"/>
+                        </a:solidFill>
+                        <a:effectLst/>
+                        <a:latin typeface="+mn-lt"/>
+                        <a:ea typeface="+mn-ea"/>
+                        <a:cs typeface="+mn-cs"/>
+                      </a:endParaRPr>
+                    </a:p>
+                  </a:txBody>
+                  <a:tcPr marL="7620" marR="7620" marT="7620" marB="0" anchor="b"/>
+                </a:tc>
+              </a:tr>
+              <a:tr h="182880">
+                <a:tc>
+                  <a:txBody>
+                    <a:bodyPr/>
+                    <a:lstStyle/>
+                    <a:p>
+                      <a:pPr marL="0" algn="ctr" defTabSz="914400" rtl="0" eaLnBrk="1" fontAlgn="b" latinLnBrk="0" hangingPunct="1"/>
+                      <a:r>
+                        <a:rPr lang="ru-RU" sz="1000" u="none" strike="noStrike" kern="1200" dirty="0">
+                          <a:effectLst/>
+                        </a:rPr>
+                        <a:t>Салоны красоты и здоровья                    </a:t>
+                      </a:r>
+                      <a:endParaRPr lang="ru-RU" sz="1000" u="none" strike="noStrike" kern="1200" dirty="0">
+                        <a:solidFill>
+                          <a:schemeClr val="tx1"/>
+                        </a:solidFill>
+                        <a:effectLst/>
+                        <a:latin typeface="+mn-lt"/>
+                        <a:ea typeface="+mn-ea"/>
+                        <a:cs typeface="+mn-cs"/>
+                      </a:endParaRPr>
+                    </a:p>
+                  </a:txBody>
+                  <a:tcPr marL="7620" marR="7620" marT="7620" marB="0" anchor="ctr"/>
+                </a:tc>
+                <a:tc>
+                  <a:txBody>
+                    <a:bodyPr/>
+                    <a:lstStyle/>
+                    <a:p>
+                      <a:pPr marL="0" algn="r" defTabSz="914400" rtl="0" eaLnBrk="1" fontAlgn="b" latinLnBrk="0" hangingPunct="1"/>
+                      <a:r>
+                        <a:rPr lang="ru-RU" sz="1000" u="none" strike="noStrike" kern="1200" dirty="0">
+                          <a:effectLst/>
+                        </a:rPr>
+                        <a:t>0,237</a:t>
+                      </a:r>
+                      <a:endParaRPr lang="ru-RU" sz="1000" u="none" strike="noStrike" kern="1200" dirty="0">
+                        <a:solidFill>
+                          <a:schemeClr val="tx1"/>
+                        </a:solidFill>
+                        <a:effectLst/>
+                        <a:latin typeface="+mn-lt"/>
+                        <a:ea typeface="+mn-ea"/>
+                        <a:cs typeface="+mn-cs"/>
+                      </a:endParaRPr>
+                    </a:p>
+                  </a:txBody>
+                  <a:tcPr marL="7620" marR="7620" marT="7620" marB="0" anchor="b"/>
+                </a:tc>
+              </a:tr>
+              <a:tr h="182880">
+                <a:tc>
+                  <a:txBody>
+                    <a:bodyPr/>
+                    <a:lstStyle/>
+                    <a:p>
+                      <a:pPr marL="0" algn="ctr" defTabSz="914400" rtl="0" eaLnBrk="1" fontAlgn="b" latinLnBrk="0" hangingPunct="1"/>
+                      <a:r>
+                        <a:rPr lang="ru-RU" sz="1000" u="none" strike="noStrike" kern="1200" dirty="0">
+                          <a:effectLst/>
+                        </a:rPr>
+                        <a:t>Магазины звукозаписи                        </a:t>
+                      </a:r>
+                      <a:endParaRPr lang="ru-RU" sz="1000" u="none" strike="noStrike" kern="1200" dirty="0">
+                        <a:solidFill>
+                          <a:schemeClr val="tx1"/>
+                        </a:solidFill>
+                        <a:effectLst/>
+                        <a:latin typeface="+mn-lt"/>
+                        <a:ea typeface="+mn-ea"/>
+                        <a:cs typeface="+mn-cs"/>
+                      </a:endParaRPr>
+                    </a:p>
+                  </a:txBody>
+                  <a:tcPr marL="7620" marR="7620" marT="7620" marB="0" anchor="ctr"/>
+                </a:tc>
+                <a:tc>
+                  <a:txBody>
+                    <a:bodyPr/>
+                    <a:lstStyle/>
+                    <a:p>
+                      <a:pPr marL="0" algn="r" defTabSz="914400" rtl="0" eaLnBrk="1" fontAlgn="b" latinLnBrk="0" hangingPunct="1"/>
+                      <a:r>
+                        <a:rPr lang="ru-RU" sz="1000" u="none" strike="noStrike" kern="1200" dirty="0">
+                          <a:effectLst/>
+                        </a:rPr>
+                        <a:t>0,21</a:t>
+                      </a:r>
+                      <a:endParaRPr lang="ru-RU" sz="1000" u="none" strike="noStrike" kern="1200" dirty="0">
+                        <a:solidFill>
+                          <a:schemeClr val="tx1"/>
+                        </a:solidFill>
+                        <a:effectLst/>
+                        <a:latin typeface="+mn-lt"/>
+                        <a:ea typeface="+mn-ea"/>
+                        <a:cs typeface="+mn-cs"/>
+                      </a:endParaRPr>
+                    </a:p>
+                  </a:txBody>
+                  <a:tcPr marL="7620" marR="7620" marT="7620" marB="0" anchor="b"/>
+                </a:tc>
+              </a:tr>
+              <a:tr h="182880">
+                <a:tc>
+                  <a:txBody>
+                    <a:bodyPr/>
+                    <a:lstStyle/>
+                    <a:p>
+                      <a:pPr marL="0" algn="ctr" defTabSz="914400" rtl="0" eaLnBrk="1" fontAlgn="b" latinLnBrk="0" hangingPunct="1"/>
+                      <a:r>
+                        <a:rPr lang="ru-RU" sz="1000" u="none" strike="noStrike" kern="1200">
+                          <a:effectLst/>
+                        </a:rPr>
+                        <a:t>Оборудование, мебель и бытовые приборы       </a:t>
+                      </a:r>
+                      <a:endParaRPr lang="ru-RU" sz="1000" u="none" strike="noStrike" kern="1200">
+                        <a:solidFill>
+                          <a:schemeClr val="tx1"/>
+                        </a:solidFill>
+                        <a:effectLst/>
+                        <a:latin typeface="+mn-lt"/>
+                        <a:ea typeface="+mn-ea"/>
+                        <a:cs typeface="+mn-cs"/>
+                      </a:endParaRPr>
+                    </a:p>
+                  </a:txBody>
+                  <a:tcPr marL="7620" marR="7620" marT="7620" marB="0" anchor="ctr"/>
+                </a:tc>
+                <a:tc>
+                  <a:txBody>
+                    <a:bodyPr/>
+                    <a:lstStyle/>
+                    <a:p>
+                      <a:pPr marL="0" algn="r" defTabSz="914400" rtl="0" eaLnBrk="1" fontAlgn="b" latinLnBrk="0" hangingPunct="1"/>
+                      <a:r>
+                        <a:rPr lang="ru-RU" sz="1000" u="none" strike="noStrike" kern="1200" dirty="0">
+                          <a:effectLst/>
+                        </a:rPr>
+                        <a:t>0,209</a:t>
+                      </a:r>
+                      <a:endParaRPr lang="ru-RU" sz="1000" u="none" strike="noStrike" kern="1200" dirty="0">
+                        <a:solidFill>
+                          <a:schemeClr val="tx1"/>
+                        </a:solidFill>
+                        <a:effectLst/>
+                        <a:latin typeface="+mn-lt"/>
+                        <a:ea typeface="+mn-ea"/>
+                        <a:cs typeface="+mn-cs"/>
+                      </a:endParaRPr>
+                    </a:p>
+                  </a:txBody>
+                  <a:tcPr marL="7620" marR="7620" marT="7620" marB="0" anchor="b"/>
+                </a:tc>
+              </a:tr>
+              <a:tr h="182880">
+                <a:tc>
+                  <a:txBody>
+                    <a:bodyPr/>
+                    <a:lstStyle/>
+                    <a:p>
+                      <a:pPr marL="0" algn="ctr" defTabSz="914400" rtl="0" eaLnBrk="1" fontAlgn="b" latinLnBrk="0" hangingPunct="1"/>
+                      <a:r>
+                        <a:rPr lang="ru-RU" sz="1000" u="none" strike="noStrike" kern="1200" dirty="0">
+                          <a:effectLst/>
+                        </a:rPr>
+                        <a:t>Аксессуары для женщин                      </a:t>
+                      </a:r>
+                      <a:endParaRPr lang="ru-RU" sz="1000" u="none" strike="noStrike" kern="1200" dirty="0">
+                        <a:solidFill>
+                          <a:schemeClr val="tx1"/>
+                        </a:solidFill>
+                        <a:effectLst/>
+                        <a:latin typeface="+mn-lt"/>
+                        <a:ea typeface="+mn-ea"/>
+                        <a:cs typeface="+mn-cs"/>
+                      </a:endParaRPr>
+                    </a:p>
+                  </a:txBody>
+                  <a:tcPr marL="7620" marR="7620" marT="7620" marB="0" anchor="ctr"/>
+                </a:tc>
+                <a:tc>
+                  <a:txBody>
+                    <a:bodyPr/>
+                    <a:lstStyle/>
+                    <a:p>
+                      <a:pPr marL="0" algn="r" defTabSz="914400" rtl="0" eaLnBrk="1" fontAlgn="b" latinLnBrk="0" hangingPunct="1"/>
+                      <a:r>
+                        <a:rPr lang="ru-RU" sz="1000" u="none" strike="noStrike" kern="1200" dirty="0">
+                          <a:effectLst/>
+                        </a:rPr>
+                        <a:t>0,181</a:t>
+                      </a:r>
+                      <a:endParaRPr lang="ru-RU" sz="1000" u="none" strike="noStrike" kern="1200" dirty="0">
+                        <a:solidFill>
+                          <a:schemeClr val="tx1"/>
+                        </a:solidFill>
+                        <a:effectLst/>
+                        <a:latin typeface="+mn-lt"/>
+                        <a:ea typeface="+mn-ea"/>
+                        <a:cs typeface="+mn-cs"/>
+                      </a:endParaRPr>
+                    </a:p>
+                  </a:txBody>
+                  <a:tcPr marL="7620" marR="7620" marT="7620" marB="0" anchor="b"/>
+                </a:tc>
+              </a:tr>
+              <a:tr h="182880">
+                <a:tc>
+                  <a:txBody>
+                    <a:bodyPr/>
+                    <a:lstStyle/>
+                    <a:p>
+                      <a:pPr marL="0" algn="ctr" defTabSz="914400" rtl="0" eaLnBrk="1" fontAlgn="b" latinLnBrk="0" hangingPunct="1"/>
+                      <a:r>
+                        <a:rPr lang="ru-RU" sz="1000" u="none" strike="noStrike" kern="1200" dirty="0">
+                          <a:effectLst/>
+                        </a:rPr>
+                        <a:t>Клубы - загородные клубы, членство     </a:t>
+                      </a:r>
+                      <a:endParaRPr lang="ru-RU" sz="1000" u="none" strike="noStrike" kern="1200" dirty="0">
+                        <a:solidFill>
+                          <a:schemeClr val="tx1"/>
+                        </a:solidFill>
+                        <a:effectLst/>
+                        <a:latin typeface="+mn-lt"/>
+                        <a:ea typeface="+mn-ea"/>
+                        <a:cs typeface="+mn-cs"/>
+                      </a:endParaRPr>
+                    </a:p>
+                  </a:txBody>
+                  <a:tcPr marL="7620" marR="7620" marT="7620" marB="0" anchor="ctr"/>
+                </a:tc>
+                <a:tc>
+                  <a:txBody>
+                    <a:bodyPr/>
+                    <a:lstStyle/>
+                    <a:p>
+                      <a:pPr marL="0" algn="r" defTabSz="914400" rtl="0" eaLnBrk="1" fontAlgn="b" latinLnBrk="0" hangingPunct="1"/>
+                      <a:r>
+                        <a:rPr lang="ru-RU" sz="1000" u="none" strike="noStrike" kern="1200" dirty="0">
+                          <a:effectLst/>
+                        </a:rPr>
+                        <a:t>0,153</a:t>
+                      </a:r>
+                      <a:endParaRPr lang="ru-RU" sz="1000" u="none" strike="noStrike" kern="1200" dirty="0">
+                        <a:solidFill>
+                          <a:schemeClr val="tx1"/>
+                        </a:solidFill>
+                        <a:effectLst/>
+                        <a:latin typeface="+mn-lt"/>
+                        <a:ea typeface="+mn-ea"/>
+                        <a:cs typeface="+mn-cs"/>
+                      </a:endParaRPr>
+                    </a:p>
+                  </a:txBody>
+                  <a:tcPr marL="7620" marR="7620" marT="7620" marB="0" anchor="b"/>
+                </a:tc>
+              </a:tr>
+              <a:tr h="182880">
+                <a:tc>
+                  <a:txBody>
+                    <a:bodyPr/>
+                    <a:lstStyle/>
+                    <a:p>
+                      <a:pPr marL="0" algn="ctr" defTabSz="914400" rtl="0" eaLnBrk="1" fontAlgn="b" latinLnBrk="0" hangingPunct="1"/>
+                      <a:r>
+                        <a:rPr lang="ru-RU" sz="1000" u="none" strike="noStrike" kern="1200" dirty="0">
+                          <a:effectLst/>
+                        </a:rPr>
+                        <a:t>Мужская одежда и аксессуары     </a:t>
+                      </a:r>
+                      <a:endParaRPr lang="ru-RU" sz="1000" u="none" strike="noStrike" kern="1200" dirty="0">
+                        <a:solidFill>
+                          <a:schemeClr val="tx1"/>
+                        </a:solidFill>
+                        <a:effectLst/>
+                        <a:latin typeface="+mn-lt"/>
+                        <a:ea typeface="+mn-ea"/>
+                        <a:cs typeface="+mn-cs"/>
+                      </a:endParaRPr>
+                    </a:p>
+                  </a:txBody>
+                  <a:tcPr marL="7620" marR="7620" marT="7620" marB="0" anchor="ctr"/>
+                </a:tc>
+                <a:tc>
+                  <a:txBody>
+                    <a:bodyPr/>
+                    <a:lstStyle/>
+                    <a:p>
+                      <a:pPr marL="0" algn="r" defTabSz="914400" rtl="0" eaLnBrk="1" fontAlgn="b" latinLnBrk="0" hangingPunct="1"/>
+                      <a:r>
+                        <a:rPr lang="ru-RU" sz="1000" u="none" strike="noStrike" kern="1200" dirty="0">
+                          <a:effectLst/>
+                        </a:rPr>
+                        <a:t>0,148</a:t>
+                      </a:r>
+                      <a:endParaRPr lang="ru-RU" sz="1000" u="none" strike="noStrike" kern="1200" dirty="0">
+                        <a:solidFill>
+                          <a:schemeClr val="tx1"/>
+                        </a:solidFill>
+                        <a:effectLst/>
+                        <a:latin typeface="+mn-lt"/>
+                        <a:ea typeface="+mn-ea"/>
+                        <a:cs typeface="+mn-cs"/>
+                      </a:endParaRPr>
+                    </a:p>
+                  </a:txBody>
+                  <a:tcPr marL="7620" marR="7620" marT="7620" marB="0" anchor="b"/>
+                </a:tc>
+              </a:tr>
+              <a:tr h="182880">
+                <a:tc>
+                  <a:txBody>
+                    <a:bodyPr/>
+                    <a:lstStyle/>
+                    <a:p>
+                      <a:pPr marL="0" algn="ctr" defTabSz="914400" rtl="0" eaLnBrk="1" fontAlgn="b" latinLnBrk="0" hangingPunct="1"/>
+                      <a:r>
+                        <a:rPr lang="ru-RU" sz="1000" u="none" strike="noStrike" kern="1200" dirty="0">
+                          <a:effectLst/>
+                        </a:rPr>
+                        <a:t>Флористика                                   </a:t>
+                      </a:r>
+                      <a:endParaRPr lang="ru-RU" sz="1000" u="none" strike="noStrike" kern="1200" dirty="0">
+                        <a:solidFill>
+                          <a:schemeClr val="tx1"/>
+                        </a:solidFill>
+                        <a:effectLst/>
+                        <a:latin typeface="+mn-lt"/>
+                        <a:ea typeface="+mn-ea"/>
+                        <a:cs typeface="+mn-cs"/>
+                      </a:endParaRPr>
+                    </a:p>
+                  </a:txBody>
+                  <a:tcPr marL="7620" marR="7620" marT="7620" marB="0" anchor="ctr"/>
+                </a:tc>
+                <a:tc>
+                  <a:txBody>
+                    <a:bodyPr/>
+                    <a:lstStyle/>
+                    <a:p>
+                      <a:pPr marL="0" algn="r" defTabSz="914400" rtl="0" eaLnBrk="1" fontAlgn="b" latinLnBrk="0" hangingPunct="1"/>
+                      <a:r>
+                        <a:rPr lang="ru-RU" sz="1000" u="none" strike="noStrike" kern="1200" dirty="0">
+                          <a:effectLst/>
+                        </a:rPr>
+                        <a:t>0,143</a:t>
+                      </a:r>
+                      <a:endParaRPr lang="ru-RU" sz="1000" u="none" strike="noStrike" kern="1200" dirty="0">
+                        <a:solidFill>
+                          <a:schemeClr val="tx1"/>
+                        </a:solidFill>
+                        <a:effectLst/>
+                        <a:latin typeface="+mn-lt"/>
+                        <a:ea typeface="+mn-ea"/>
+                        <a:cs typeface="+mn-cs"/>
+                      </a:endParaRPr>
+                    </a:p>
+                  </a:txBody>
+                  <a:tcPr marL="7620" marR="7620" marT="7620" marB="0" anchor="b"/>
+                </a:tc>
+              </a:tr>
+              <a:tr h="182880">
+                <a:tc>
+                  <a:txBody>
+                    <a:bodyPr/>
+                    <a:lstStyle/>
+                    <a:p>
+                      <a:pPr marL="0" algn="ctr" defTabSz="914400" rtl="0" eaLnBrk="1" fontAlgn="b" latinLnBrk="0" hangingPunct="1"/>
+                      <a:r>
+                        <a:rPr lang="ru-RU" sz="1000" u="none" strike="noStrike" kern="1200" dirty="0">
+                          <a:effectLst/>
+                        </a:rPr>
+                        <a:t>Различные специализированные магазины</a:t>
+                      </a:r>
+                      <a:endParaRPr lang="ru-RU" sz="1000" u="none" strike="noStrike" kern="1200" dirty="0">
+                        <a:solidFill>
+                          <a:schemeClr val="tx1"/>
+                        </a:solidFill>
+                        <a:effectLst/>
+                        <a:latin typeface="+mn-lt"/>
+                        <a:ea typeface="+mn-ea"/>
+                        <a:cs typeface="+mn-cs"/>
+                      </a:endParaRPr>
+                    </a:p>
+                  </a:txBody>
+                  <a:tcPr marL="7620" marR="7620" marT="7620" marB="0" anchor="ctr"/>
+                </a:tc>
+                <a:tc>
+                  <a:txBody>
+                    <a:bodyPr/>
+                    <a:lstStyle/>
+                    <a:p>
+                      <a:pPr marL="0" algn="r" defTabSz="914400" rtl="0" eaLnBrk="1" fontAlgn="b" latinLnBrk="0" hangingPunct="1"/>
+                      <a:r>
+                        <a:rPr lang="ru-RU" sz="1000" u="none" strike="noStrike" kern="1200" dirty="0">
+                          <a:effectLst/>
+                        </a:rPr>
+                        <a:t>0,135</a:t>
+                      </a:r>
+                      <a:endParaRPr lang="ru-RU" sz="1000" u="none" strike="noStrike" kern="1200" dirty="0">
+                        <a:solidFill>
+                          <a:schemeClr val="tx1"/>
+                        </a:solidFill>
+                        <a:effectLst/>
+                        <a:latin typeface="+mn-lt"/>
+                        <a:ea typeface="+mn-ea"/>
+                        <a:cs typeface="+mn-cs"/>
+                      </a:endParaRPr>
+                    </a:p>
+                  </a:txBody>
+                  <a:tcPr marL="7620" marR="7620" marT="7620" marB="0" anchor="b"/>
+                </a:tc>
+              </a:tr>
+              <a:tr h="182880">
+                <a:tc>
+                  <a:txBody>
+                    <a:bodyPr/>
+                    <a:lstStyle/>
+                    <a:p>
+                      <a:pPr marL="0" algn="ctr" defTabSz="914400" rtl="0" eaLnBrk="1" fontAlgn="b" latinLnBrk="0" hangingPunct="1"/>
+                      <a:r>
+                        <a:rPr lang="ru-RU" sz="1000" u="none" strike="noStrike" kern="1200" dirty="0">
+                          <a:effectLst/>
+                        </a:rPr>
+                        <a:t>Детская одежда    </a:t>
+                      </a:r>
+                      <a:endParaRPr lang="ru-RU" sz="1000" u="none" strike="noStrike" kern="1200" dirty="0">
+                        <a:solidFill>
+                          <a:schemeClr val="tx1"/>
+                        </a:solidFill>
+                        <a:effectLst/>
+                        <a:latin typeface="+mn-lt"/>
+                        <a:ea typeface="+mn-ea"/>
+                        <a:cs typeface="+mn-cs"/>
+                      </a:endParaRPr>
+                    </a:p>
+                  </a:txBody>
+                  <a:tcPr marL="7620" marR="7620" marT="7620" marB="0" anchor="ctr"/>
+                </a:tc>
+                <a:tc>
+                  <a:txBody>
+                    <a:bodyPr/>
+                    <a:lstStyle/>
+                    <a:p>
+                      <a:pPr marL="0" algn="r" defTabSz="914400" rtl="0" eaLnBrk="1" fontAlgn="b" latinLnBrk="0" hangingPunct="1"/>
+                      <a:r>
+                        <a:rPr lang="ru-RU" sz="1000" u="none" strike="noStrike" kern="1200" dirty="0">
+                          <a:effectLst/>
+                        </a:rPr>
+                        <a:t>0,13</a:t>
+                      </a:r>
+                      <a:endParaRPr lang="ru-RU" sz="1000" u="none" strike="noStrike" kern="1200" dirty="0">
+                        <a:solidFill>
+                          <a:schemeClr val="tx1"/>
+                        </a:solidFill>
+                        <a:effectLst/>
+                        <a:latin typeface="+mn-lt"/>
+                        <a:ea typeface="+mn-ea"/>
+                        <a:cs typeface="+mn-cs"/>
+                      </a:endParaRPr>
+                    </a:p>
+                  </a:txBody>
+                  <a:tcPr marL="7620" marR="7620" marT="7620" marB="0" anchor="b"/>
+                </a:tc>
+              </a:tr>
+              <a:tr h="182880">
+                <a:tc>
+                  <a:txBody>
+                    <a:bodyPr/>
+                    <a:lstStyle/>
+                    <a:p>
+                      <a:pPr marL="0" algn="ctr" defTabSz="914400" rtl="0" eaLnBrk="1" fontAlgn="b" latinLnBrk="0" hangingPunct="1"/>
+                      <a:r>
+                        <a:rPr lang="ru-RU" sz="1000" u="none" strike="noStrike" kern="1200" dirty="0">
+                          <a:effectLst/>
+                        </a:rPr>
+                        <a:t>Универсальные магазины              </a:t>
+                      </a:r>
+                      <a:endParaRPr lang="ru-RU" sz="1000" u="none" strike="noStrike" kern="1200" dirty="0">
+                        <a:solidFill>
+                          <a:schemeClr val="tx1"/>
+                        </a:solidFill>
+                        <a:effectLst/>
+                        <a:latin typeface="+mn-lt"/>
+                        <a:ea typeface="+mn-ea"/>
+                        <a:cs typeface="+mn-cs"/>
+                      </a:endParaRPr>
+                    </a:p>
+                  </a:txBody>
+                  <a:tcPr marL="7620" marR="7620" marT="7620" marB="0" anchor="ctr"/>
+                </a:tc>
+                <a:tc>
+                  <a:txBody>
+                    <a:bodyPr/>
+                    <a:lstStyle/>
+                    <a:p>
+                      <a:pPr marL="0" algn="r" defTabSz="914400" rtl="0" eaLnBrk="1" fontAlgn="b" latinLnBrk="0" hangingPunct="1"/>
+                      <a:r>
+                        <a:rPr lang="ru-RU" sz="1000" u="none" strike="noStrike" kern="1200" dirty="0">
+                          <a:effectLst/>
+                        </a:rPr>
+                        <a:t>0,123</a:t>
+                      </a:r>
+                      <a:endParaRPr lang="ru-RU" sz="1000" u="none" strike="noStrike" kern="1200" dirty="0">
+                        <a:solidFill>
+                          <a:schemeClr val="tx1"/>
+                        </a:solidFill>
+                        <a:effectLst/>
+                        <a:latin typeface="+mn-lt"/>
+                        <a:ea typeface="+mn-ea"/>
+                        <a:cs typeface="+mn-cs"/>
+                      </a:endParaRPr>
+                    </a:p>
+                  </a:txBody>
+                  <a:tcPr marL="7620" marR="7620" marT="7620" marB="0" anchor="b"/>
+                </a:tc>
+              </a:tr>
+              <a:tr h="182880">
+                <a:tc>
+                  <a:txBody>
+                    <a:bodyPr/>
+                    <a:lstStyle/>
+                    <a:p>
+                      <a:pPr marL="0" algn="ctr" defTabSz="914400" rtl="0" eaLnBrk="1" fontAlgn="b" latinLnBrk="0" hangingPunct="1"/>
+                      <a:r>
+                        <a:rPr lang="ru-RU" sz="1000" u="none" strike="noStrike" kern="1200" dirty="0">
+                          <a:effectLst/>
+                        </a:rPr>
+                        <a:t>Кинотеатры                                  </a:t>
+                      </a:r>
+                      <a:endParaRPr lang="ru-RU" sz="1000" u="none" strike="noStrike" kern="1200" dirty="0">
+                        <a:solidFill>
+                          <a:schemeClr val="tx1"/>
+                        </a:solidFill>
+                        <a:effectLst/>
+                        <a:latin typeface="+mn-lt"/>
+                        <a:ea typeface="+mn-ea"/>
+                        <a:cs typeface="+mn-cs"/>
+                      </a:endParaRPr>
+                    </a:p>
+                  </a:txBody>
+                  <a:tcPr marL="7620" marR="7620" marT="7620" marB="0" anchor="ctr"/>
+                </a:tc>
+                <a:tc>
+                  <a:txBody>
+                    <a:bodyPr/>
+                    <a:lstStyle/>
+                    <a:p>
+                      <a:pPr marL="0" algn="r" defTabSz="914400" rtl="0" eaLnBrk="1" fontAlgn="b" latinLnBrk="0" hangingPunct="1"/>
+                      <a:r>
+                        <a:rPr lang="ru-RU" sz="1000" u="none" strike="noStrike" kern="1200" dirty="0">
+                          <a:effectLst/>
+                        </a:rPr>
+                        <a:t>0,117</a:t>
+                      </a:r>
+                      <a:endParaRPr lang="ru-RU" sz="1000" u="none" strike="noStrike" kern="1200" dirty="0">
+                        <a:solidFill>
+                          <a:schemeClr val="tx1"/>
+                        </a:solidFill>
+                        <a:effectLst/>
+                        <a:latin typeface="+mn-lt"/>
+                        <a:ea typeface="+mn-ea"/>
+                        <a:cs typeface="+mn-cs"/>
+                      </a:endParaRPr>
+                    </a:p>
+                  </a:txBody>
+                  <a:tcPr marL="7620" marR="7620" marT="7620" marB="0" anchor="b"/>
+                </a:tc>
+              </a:tr>
+              <a:tr h="182880">
+                <a:tc>
+                  <a:txBody>
+                    <a:bodyPr/>
+                    <a:lstStyle/>
+                    <a:p>
+                      <a:pPr marL="0" algn="ctr" defTabSz="914400" rtl="0" eaLnBrk="1" fontAlgn="b" latinLnBrk="0" hangingPunct="1"/>
+                      <a:r>
+                        <a:rPr lang="ru-RU" sz="1000" u="none" strike="noStrike" kern="1200" dirty="0">
+                          <a:effectLst/>
+                        </a:rPr>
+                        <a:t>Магазины косметики                       </a:t>
+                      </a:r>
+                      <a:endParaRPr lang="ru-RU" sz="1000" u="none" strike="noStrike" kern="1200" dirty="0">
+                        <a:solidFill>
+                          <a:schemeClr val="tx1"/>
+                        </a:solidFill>
+                        <a:effectLst/>
+                        <a:latin typeface="+mn-lt"/>
+                        <a:ea typeface="+mn-ea"/>
+                        <a:cs typeface="+mn-cs"/>
+                      </a:endParaRPr>
+                    </a:p>
+                  </a:txBody>
+                  <a:tcPr marL="7620" marR="7620" marT="7620" marB="0" anchor="ctr"/>
+                </a:tc>
+                <a:tc>
+                  <a:txBody>
+                    <a:bodyPr/>
+                    <a:lstStyle/>
+                    <a:p>
+                      <a:pPr marL="0" algn="r" defTabSz="914400" rtl="0" eaLnBrk="1" fontAlgn="b" latinLnBrk="0" hangingPunct="1"/>
+                      <a:r>
+                        <a:rPr lang="ru-RU" sz="1000" u="none" strike="noStrike" kern="1200" dirty="0">
+                          <a:effectLst/>
+                        </a:rPr>
+                        <a:t>0,106</a:t>
+                      </a:r>
+                      <a:endParaRPr lang="ru-RU" sz="1000" u="none" strike="noStrike" kern="1200" dirty="0">
+                        <a:solidFill>
+                          <a:schemeClr val="tx1"/>
+                        </a:solidFill>
+                        <a:effectLst/>
+                        <a:latin typeface="+mn-lt"/>
+                        <a:ea typeface="+mn-ea"/>
+                        <a:cs typeface="+mn-cs"/>
+                      </a:endParaRPr>
+                    </a:p>
+                  </a:txBody>
+                  <a:tcPr marL="7620" marR="7620" marT="7620" marB="0" anchor="b"/>
+                </a:tc>
+              </a:tr>
+              <a:tr h="62540">
+                <a:tc>
+                  <a:txBody>
+                    <a:bodyPr/>
+                    <a:lstStyle/>
+                    <a:p>
+                      <a:pPr marL="0" algn="ctr" defTabSz="914400" rtl="0" eaLnBrk="1" fontAlgn="b" latinLnBrk="0" hangingPunct="1"/>
+                      <a:r>
+                        <a:rPr lang="ru-RU" sz="1000" u="none" strike="noStrike" kern="1200" dirty="0">
+                          <a:effectLst/>
+                        </a:rPr>
+                        <a:t>Книжные магазины                       </a:t>
+                      </a:r>
+                      <a:endParaRPr lang="ru-RU" sz="1000" u="none" strike="noStrike" kern="1200" dirty="0">
+                        <a:solidFill>
+                          <a:schemeClr val="tx1"/>
+                        </a:solidFill>
+                        <a:effectLst/>
+                        <a:latin typeface="+mn-lt"/>
+                        <a:ea typeface="+mn-ea"/>
+                        <a:cs typeface="+mn-cs"/>
+                      </a:endParaRPr>
+                    </a:p>
+                  </a:txBody>
+                  <a:tcPr marL="7620" marR="7620" marT="7620" marB="0" anchor="ctr"/>
+                </a:tc>
+                <a:tc>
+                  <a:txBody>
+                    <a:bodyPr/>
+                    <a:lstStyle/>
+                    <a:p>
+                      <a:pPr marL="0" algn="r" defTabSz="914400" rtl="0" eaLnBrk="1" fontAlgn="b" latinLnBrk="0" hangingPunct="1"/>
+                      <a:r>
+                        <a:rPr lang="ru-RU" sz="1000" u="none" strike="noStrike" kern="1200" dirty="0">
+                          <a:effectLst/>
+                        </a:rPr>
+                        <a:t>0,106</a:t>
+                      </a:r>
+                      <a:endParaRPr lang="ru-RU" sz="1000" u="none" strike="noStrike" kern="1200" dirty="0">
+                        <a:solidFill>
+                          <a:schemeClr val="tx1"/>
+                        </a:solidFill>
+                        <a:effectLst/>
+                        <a:latin typeface="+mn-lt"/>
+                        <a:ea typeface="+mn-ea"/>
+                        <a:cs typeface="+mn-cs"/>
+                      </a:endParaRPr>
+                    </a:p>
+                  </a:txBody>
+                  <a:tcPr marL="7620" marR="7620" marT="7620" marB="0" anchor="b"/>
+                </a:tc>
+              </a:tr>
+            </a:tbl>
+          </a:graphicData>
+        </a:graphic>
+      </p:graphicFrame>
+    </p:spTree>
+    <p:extLst>
+      <p:ext uri="{BB962C8B-B14F-4D97-AF65-F5344CB8AC3E}">
+        <p14:creationId xmlns:p14="http://schemas.microsoft.com/office/powerpoint/2010/main" val="1419742733"/>
+      </p:ext>
+    </p:extLst>
+  </p:cSld>
+  <p:clrMapOvr>
+    <a:masterClrMapping/>
+  </p:clrMapOvr>
+</p:sld>
+</file>
+
+<file path=ppt/slides/slide6.xml><?xml version="1.0" encoding="utf-8"?>
 <p:sld xmlns:a="http://schemas.openxmlformats.org/drawingml/2006/main" xmlns:r="http://schemas.openxmlformats.org/officeDocument/2006/relationships" xmlns:p="http://schemas.openxmlformats.org/presentationml/2006/main">
   <p:cSld>
     <p:spTree>
@@ -9538,7 +11085,7 @@
 </p:sld>
 </file>
 
-<file path=ppt/slides/slide6.xml><?xml version="1.0" encoding="utf-8"?>
+<file path=ppt/slides/slide7.xml><?xml version="1.0" encoding="utf-8"?>
 <p:sld xmlns:a="http://schemas.openxmlformats.org/drawingml/2006/main" xmlns:r="http://schemas.openxmlformats.org/officeDocument/2006/relationships" xmlns:p="http://schemas.openxmlformats.org/presentationml/2006/main">
   <p:cSld>
     <p:spTree>
@@ -9584,32 +11131,56 @@
       </p:sp>
       <p:pic>
         <p:nvPicPr>
-          <p:cNvPr id="6" name="Рисунок 5"/>
+          <p:cNvPr id="601090" name="Picture 2"/>
           <p:cNvPicPr>
-            <a:picLocks noChangeAspect="1"/>
+            <a:picLocks noChangeAspect="1" noChangeArrowheads="1"/>
           </p:cNvPicPr>
           <p:nvPr/>
         </p:nvPicPr>
         <p:blipFill>
-          <a:blip r:embed="rId3" cstate="print">
+          <a:blip r:embed="rId3">
             <a:extLst>
               <a:ext uri="{28A0092B-C50C-407E-A947-70E740481C1C}">
                 <a14:useLocalDpi xmlns:a14="http://schemas.microsoft.com/office/drawing/2010/main" val="0"/>
               </a:ext>
             </a:extLst>
           </a:blip>
+          <a:srcRect/>
           <a:stretch>
             <a:fillRect/>
           </a:stretch>
         </p:blipFill>
-        <p:spPr>
+        <p:spPr bwMode="auto">
           <a:xfrm>
-            <a:off x="0" y="699490"/>
-            <a:ext cx="9144000" cy="3647983"/>
+            <a:off x="0" y="771500"/>
+            <a:ext cx="9092316" cy="3510170"/>
           </a:xfrm>
           <a:prstGeom prst="rect">
             <a:avLst/>
           </a:prstGeom>
+          <a:noFill/>
+          <a:ln>
+            <a:noFill/>
+          </a:ln>
+          <a:extLst>
+            <a:ext uri="{909E8E84-426E-40DD-AFC4-6F175D3DCCD1}">
+              <a14:hiddenFill xmlns:a14="http://schemas.microsoft.com/office/drawing/2010/main">
+                <a:solidFill>
+                  <a:schemeClr val="accent1"/>
+                </a:solidFill>
+              </a14:hiddenFill>
+            </a:ext>
+            <a:ext uri="{91240B29-F687-4F45-9708-019B960494DF}">
+              <a14:hiddenLine xmlns:a14="http://schemas.microsoft.com/office/drawing/2010/main" w="9525">
+                <a:solidFill>
+                  <a:schemeClr val="tx1"/>
+                </a:solidFill>
+                <a:miter lim="800000"/>
+                <a:headEnd/>
+                <a:tailEnd/>
+              </a14:hiddenLine>
+            </a:ext>
+          </a:extLst>
         </p:spPr>
       </p:pic>
     </p:spTree>
@@ -10620,32 +12191,31 @@
 </file>
 
 <file path=customXml/item1.xml><?xml version="1.0" encoding="utf-8"?>
+<WrappedLabelHistory xmlns:xsi="http://www.w3.org/2001/XMLSchema-instance" xmlns:xsd="http://www.w3.org/2001/XMLSchema" xmlns="http://www.boldonjames.com/2016/02/Classifier/internal/wrappedLabelHistory">
+  <Value>PD94bWwgdmVyc2lvbj0iMS4wIiBlbmNvZGluZz0idXMtYXNjaWkiPz48bGFiZWxIaXN0b3J5IHhtbG5zOnhzaT0iaHR0cDovL3d3dy53My5vcmcvMjAwMS9YTUxTY2hlbWEtaW5zdGFuY2UiIHhtbG5zOnhzZD0iaHR0cDovL3d3dy53My5vcmcvMjAwMS9YTUxTY2hlbWEiIHhtbG5zPSJodHRwOi8vd3d3LmJvbGRvbmphbWVzLmNvbS8yMDE2LzAyL0NsYXNzaWZpZXIvaW50ZXJuYWwvbGFiZWxIaXN0b3J5Ij48aXRlbT48c2lzbCBzaXNsVmVyc2lvbj0iMCIgcG9saWN5PSJiZDViNWMxNy1mZjBlLTRhNDUtOGFkZS1iMWRiOWUxZmI4MDQiIG9yaWdpbj0idXNlclNlbGVjdGVkIj48ZWxlbWVudCB1aWQ9ImlkX2NsYXNzaWZpY2F0aW9uX2ludGVybmFsb25seSIgdmFsdWU9IiIgeG1sbnM9Imh0dHA6Ly93d3cuYm9sZG9uamFtZXMuY29tLzIwMDgvMDEvc2llL2ludGVybmFsL2xhYmVsIiAvPjxlbGVtZW50IHVpZD0iNjM3OGIyOTEtZTllMi00ZjVkLWI1MWItODhlZWEzZTRhODc0IiB2YWx1ZT0iIiB4bWxucz0iaHR0cDovL3d3dy5ib2xkb25qYW1lcy5jb20vMjAwOC8wMS9zaWUvaW50ZXJuYWwvbGFiZWwiIC8+PC9zaXNsPjxVc2VyTmFtZT5ST1NCQU5LXHJiMDY2NDQwPC9Vc2VyTmFtZT48RGF0ZVRpbWU+MjYuMDkuMjAxOCAxMjo1NDoxNDwvRGF0ZVRpbWU+PExhYmVsU3RyaW5nPkMxIHwgJiN4NDEyOyYjeDQzRDsmI3g0NDM7JiN4NDQyOyYjeDQ0MDsmI3g0MzU7JiN4NDNEOyYjeDQzRDsmI3g0NEY7JiN4NDRGOyAmI3g0Mzg7JiN4NDNEOyYjeDQ0NDsmI3g0M0U7JiN4NDQwOyYjeDQzQzsmI3g0MzA7JiN4NDQ2OyYjeDQzODsmI3g0NEY7PC9MYWJlbFN0cmluZz48L2l0ZW0+PGl0ZW0+PHNpc2wgc2lzbFZlcnNpb249IjAiIHBvbGljeT0iYmQ1YjVjMTctZmYwZS00YTQ1LThhZGUtYjFkYjllMWZiODA0IiBvcmlnaW49InVzZXJTZWxlY3RlZCI+PGVsZW1lbnQgdWlkPSJpZF9jbGFzc2lmaWNhdGlvbl9ub25idXNpbmVzcyIgdmFsdWU9IiIgeG1sbnM9Imh0dHA6Ly93d3cuYm9sZG9uamFtZXMuY29tLzIwMDgvMDEvc2llL2ludGVybmFsL2xhYmVsIiAvPjwvc2lzbD48VXNlck5hbWU+Uk9TQkFOS1xyYjA2NjQ0MDwvVXNlck5hbWU+PERhdGVUaW1lPjA4LjEwLjIwMTggMTE6Mzg6NTU8L0RhdGVUaW1lPjxMYWJlbFN0cmluZz5DMCB8ICYjeDQxRTsmI3g0MzE7JiN4NDQ5OyYjeDQzNTsmI3g0MzQ7JiN4NDNFOyYjeDQ0MTsmI3g0NDI7JiN4NDQzOyYjeDQzRjsmI3g0M0Q7JiN4NDMwOyYjeDQ0RjsgJiN4NDM4OyYjeDQzRDsmI3g0NDQ7JiN4NDNFOyYjeDQ0MDsmI3g0M0M7JiN4NDMwOyYjeDQ0NjsmI3g0Mzg7JiN4NDRGOzwvTGFiZWxTdHJpbmc+PC9pdGVtPjwvbGFiZWxIaXN0b3J5Pg==</Value>
+</WrappedLabelHistory>
+</file>
+
+<file path=customXml/item2.xml><?xml version="1.0" encoding="utf-8"?>
 <sisl xmlns:xsi="http://www.w3.org/2001/XMLSchema-instance" xmlns:xsd="http://www.w3.org/2001/XMLSchema" xmlns="http://www.boldonjames.com/2008/01/sie/internal/label" sislVersion="0" policy="bd5b5c17-ff0e-4a45-8ade-b1db9e1fb804" origin="userSelected">
-  <element uid="id_classification_internalonly" value=""/>
-  <element uid="6378b291-e9e2-4f5d-b51b-88eea3e4a874" value=""/>
+  <element uid="id_classification_nonbusiness" value=""/>
 </sisl>
 </file>
 
-<file path=customXml/item2.xml><?xml version="1.0" encoding="utf-8"?>
-<WrappedLabelHistory xmlns:xsi="http://www.w3.org/2001/XMLSchema-instance" xmlns:xsd="http://www.w3.org/2001/XMLSchema" xmlns="http://www.boldonjames.com/2016/02/Classifier/internal/wrappedLabelHistory">
-  <Value>PD94bWwgdmVyc2lvbj0iMS4wIiBlbmNvZGluZz0idXMtYXNjaWkiPz48bGFiZWxIaXN0b3J5IHhtbG5zOnhzaT0iaHR0cDovL3d3dy53My5vcmcvMjAwMS9YTUxTY2hlbWEtaW5zdGFuY2UiIHhtbG5zOnhzZD0iaHR0cDovL3d3dy53My5vcmcvMjAwMS9YTUxTY2hlbWEiIHhtbG5zPSJodHRwOi8vd3d3LmJvbGRvbmphbWVzLmNvbS8yMDE2LzAyL0NsYXNzaWZpZXIvaW50ZXJuYWwvbGFiZWxIaXN0b3J5Ij48aXRlbT48c2lzbCBzaXNsVmVyc2lvbj0iMCIgcG9saWN5PSJiZDViNWMxNy1mZjBlLTRhNDUtOGFkZS1iMWRiOWUxZmI4MDQiIG9yaWdpbj0idXNlclNlbGVjdGVkIj48ZWxlbWVudCB1aWQ9ImlkX2NsYXNzaWZpY2F0aW9uX2ludGVybmFsb25seSIgdmFsdWU9IiIgeG1sbnM9Imh0dHA6Ly93d3cuYm9sZG9uamFtZXMuY29tLzIwMDgvMDEvc2llL2ludGVybmFsL2xhYmVsIiAvPjxlbGVtZW50IHVpZD0iNjM3OGIyOTEtZTllMi00ZjVkLWI1MWItODhlZWEzZTRhODc0IiB2YWx1ZT0iIiB4bWxucz0iaHR0cDovL3d3dy5ib2xkb25qYW1lcy5jb20vMjAwOC8wMS9zaWUvaW50ZXJuYWwvbGFiZWwiIC8+PC9zaXNsPjxVc2VyTmFtZT5ST1NCQU5LXHJiMDY2NDQwPC9Vc2VyTmFtZT48RGF0ZVRpbWU+MjYuMDkuMjAxOCAxMjo1NDoxNDwvRGF0ZVRpbWU+PExhYmVsU3RyaW5nPkMxIHwgJiN4NDEyOyYjeDQzRDsmI3g0NDM7JiN4NDQyOyYjeDQ0MDsmI3g0MzU7JiN4NDNEOyYjeDQzRDsmI3g0NEY7JiN4NDRGOyAmI3g0Mzg7JiN4NDNEOyYjeDQ0NDsmI3g0M0U7JiN4NDQwOyYjeDQzQzsmI3g0MzA7JiN4NDQ2OyYjeDQzODsmI3g0NEY7PC9MYWJlbFN0cmluZz48L2l0ZW0+PC9sYWJlbEhpc3Rvcnk+</Value>
-</WrappedLabelHistory>
+<file path=customXml/itemProps1.xml><?xml version="1.0" encoding="utf-8"?>
+<ds:datastoreItem xmlns:ds="http://schemas.openxmlformats.org/officeDocument/2006/customXml" ds:itemID="{C605756B-1140-44A5-8151-9A3D104CD74C}">
+  <ds:schemaRefs>
+    <ds:schemaRef ds:uri="http://www.w3.org/2001/XMLSchema"/>
+    <ds:schemaRef ds:uri="http://www.boldonjames.com/2016/02/Classifier/internal/wrappedLabelHistory"/>
+  </ds:schemaRefs>
+</ds:datastoreItem>
 </file>
 
-<file path=customXml/itemProps1.xml><?xml version="1.0" encoding="utf-8"?>
-<ds:datastoreItem xmlns:ds="http://schemas.openxmlformats.org/officeDocument/2006/customXml" ds:itemID="{BD189669-98A3-4F6A-AB05-BBA4DD16A441}">
+<file path=customXml/itemProps2.xml><?xml version="1.0" encoding="utf-8"?>
+<ds:datastoreItem xmlns:ds="http://schemas.openxmlformats.org/officeDocument/2006/customXml" ds:itemID="{1BDDABC1-25D6-4C94-B7D4-7952F38F4F24}">
   <ds:schemaRefs>
     <ds:schemaRef ds:uri="http://www.w3.org/2001/XMLSchema"/>
     <ds:schemaRef ds:uri="http://www.boldonjames.com/2008/01/sie/internal/label"/>
   </ds:schemaRefs>
 </ds:datastoreItem>
-</file>
-
-<file path=customXml/itemProps2.xml><?xml version="1.0" encoding="utf-8"?>
-<ds:datastoreItem xmlns:ds="http://schemas.openxmlformats.org/officeDocument/2006/customXml" ds:itemID="{87E07CD3-D7DA-4638-8A93-606730C0D839}">
-  <ds:schemaRefs>
-    <ds:schemaRef ds:uri="http://www.w3.org/2001/XMLSchema"/>
-    <ds:schemaRef ds:uri="http://www.boldonjames.com/2016/02/Classifier/internal/wrappedLabelHistory"/>
-  </ds:schemaRefs>
-</ds:datastoreItem>
 </file>